--- a/advisory/oxford/teiSimple.pptx
+++ b/advisory/oxford/teiSimple.pptx
@@ -399,7 +399,7 @@
           <a:p>
             <a:fld id="{BE34FDC8-BA8A-44CA-9192-900A14AF2192}" type="datetimeFigureOut">
               <a:rPr lang="en-GB" smtClean="0"/>
-              <a:t>21/05/2015</a:t>
+              <a:t>22/05/2015</a:t>
             </a:fld>
             <a:endParaRPr lang="en-GB"/>
           </a:p>
@@ -792,7 +792,7 @@
           <a:p>
             <a:fld id="{BE34FDC8-BA8A-44CA-9192-900A14AF2192}" type="datetimeFigureOut">
               <a:rPr lang="en-GB" smtClean="0"/>
-              <a:t>21/05/2015</a:t>
+              <a:t>22/05/2015</a:t>
             </a:fld>
             <a:endParaRPr lang="en-GB"/>
           </a:p>
@@ -1324,7 +1324,7 @@
           <a:p>
             <a:fld id="{BE34FDC8-BA8A-44CA-9192-900A14AF2192}" type="datetimeFigureOut">
               <a:rPr lang="en-GB" smtClean="0"/>
-              <a:t>21/05/2015</a:t>
+              <a:t>22/05/2015</a:t>
             </a:fld>
             <a:endParaRPr lang="en-GB"/>
           </a:p>
@@ -1457,7 +1457,7 @@
           <a:p>
             <a:fld id="{BE34FDC8-BA8A-44CA-9192-900A14AF2192}" type="datetimeFigureOut">
               <a:rPr lang="en-GB" smtClean="0"/>
-              <a:t>21/05/2015</a:t>
+              <a:t>22/05/2015</a:t>
             </a:fld>
             <a:endParaRPr lang="en-GB"/>
           </a:p>
@@ -2000,7 +2000,7 @@
           <a:p>
             <a:fld id="{BE34FDC8-BA8A-44CA-9192-900A14AF2192}" type="datetimeFigureOut">
               <a:rPr lang="en-GB" smtClean="0"/>
-              <a:t>21/05/2015</a:t>
+              <a:t>22/05/2015</a:t>
             </a:fld>
             <a:endParaRPr lang="en-GB"/>
           </a:p>
@@ -2295,7 +2295,7 @@
           <a:p>
             <a:fld id="{BE34FDC8-BA8A-44CA-9192-900A14AF2192}" type="datetimeFigureOut">
               <a:rPr lang="en-GB" smtClean="0"/>
-              <a:t>21/05/2015</a:t>
+              <a:t>22/05/2015</a:t>
             </a:fld>
             <a:endParaRPr lang="en-GB"/>
           </a:p>
@@ -2954,7 +2954,7 @@
           <a:p>
             <a:fld id="{BE34FDC8-BA8A-44CA-9192-900A14AF2192}" type="datetimeFigureOut">
               <a:rPr lang="en-GB" smtClean="0"/>
-              <a:t>21/05/2015</a:t>
+              <a:t>22/05/2015</a:t>
             </a:fld>
             <a:endParaRPr lang="en-GB"/>
           </a:p>
@@ -3390,7 +3390,7 @@
           <a:p>
             <a:fld id="{BE34FDC8-BA8A-44CA-9192-900A14AF2192}" type="datetimeFigureOut">
               <a:rPr lang="en-GB" smtClean="0"/>
-              <a:t>21/05/2015</a:t>
+              <a:t>22/05/2015</a:t>
             </a:fld>
             <a:endParaRPr lang="en-GB"/>
           </a:p>
@@ -3703,7 +3703,7 @@
           <a:p>
             <a:fld id="{BE34FDC8-BA8A-44CA-9192-900A14AF2192}" type="datetimeFigureOut">
               <a:rPr lang="en-GB" smtClean="0"/>
-              <a:t>21/05/2015</a:t>
+              <a:t>22/05/2015</a:t>
             </a:fld>
             <a:endParaRPr lang="en-GB"/>
           </a:p>
@@ -4435,7 +4435,7 @@
           <a:p>
             <a:fld id="{BE34FDC8-BA8A-44CA-9192-900A14AF2192}" type="datetimeFigureOut">
               <a:rPr lang="en-GB" smtClean="0"/>
-              <a:t>21/05/2015</a:t>
+              <a:t>22/05/2015</a:t>
             </a:fld>
             <a:endParaRPr lang="en-GB"/>
           </a:p>
@@ -5099,7 +5099,7 @@
           <a:p>
             <a:fld id="{BE34FDC8-BA8A-44CA-9192-900A14AF2192}" type="datetimeFigureOut">
               <a:rPr lang="en-GB" smtClean="0"/>
-              <a:t>21/05/2015</a:t>
+              <a:t>22/05/2015</a:t>
             </a:fld>
             <a:endParaRPr lang="en-GB"/>
           </a:p>
@@ -5372,7 +5372,7 @@
           <a:p>
             <a:fld id="{BE34FDC8-BA8A-44CA-9192-900A14AF2192}" type="datetimeFigureOut">
               <a:rPr lang="en-GB" smtClean="0"/>
-              <a:t>21/05/2015</a:t>
+              <a:t>22/05/2015</a:t>
             </a:fld>
             <a:endParaRPr lang="en-GB"/>
           </a:p>
@@ -6105,8 +6105,8 @@
           <a:lstStyle/>
           <a:p>
             <a:r>
-              <a:rPr lang="en-GB" dirty="0" err="1" smtClean="0"/>
-              <a:t>teiSimple</a:t>
+              <a:rPr lang="en-GB" dirty="0" smtClean="0"/>
+              <a:t>TEI Simple</a:t>
             </a:r>
             <a:endParaRPr lang="en-GB" dirty="0"/>
           </a:p>
@@ -6159,14 +6159,19 @@
             <p:ph type="title"/>
           </p:nvPr>
         </p:nvSpPr>
-        <p:spPr/>
+        <p:spPr>
+          <a:xfrm>
+            <a:off x="395536" y="908720"/>
+            <a:ext cx="2362200" cy="1350640"/>
+          </a:xfrm>
+        </p:spPr>
         <p:txBody>
           <a:bodyPr/>
           <a:lstStyle/>
           <a:p>
             <a:r>
-              <a:rPr lang="en-GB" dirty="0" err="1" smtClean="0"/>
-              <a:t>teiSimple</a:t>
+              <a:rPr lang="en-GB" dirty="0" smtClean="0"/>
+              <a:t>TEI Simple</a:t>
             </a:r>
             <a:r>
               <a:rPr lang="en-GB" dirty="0" smtClean="0"/>
@@ -6176,14 +6181,24 @@
               <a:rPr lang="en-GB" dirty="0" smtClean="0"/>
             </a:br>
             <a:r>
-              <a:rPr lang="en-GB" dirty="0"/>
-              <a:t>f</a:t>
-            </a:r>
+              <a:rPr lang="en-GB" i="1" dirty="0" smtClean="0"/>
+              <a:t>behaviours</a:t>
+            </a:r>
+            <a:r>
+              <a:rPr lang="en-GB" i="1" dirty="0"/>
+              <a:t/>
+            </a:r>
+            <a:br>
+              <a:rPr lang="en-GB" i="1" dirty="0"/>
+            </a:br>
             <a:r>
               <a:rPr lang="en-GB" dirty="0" smtClean="0"/>
-              <a:t>unction library</a:t>
-            </a:r>
-            <a:endParaRPr lang="en-GB" dirty="0"/>
+              <a:t>library</a:t>
+            </a:r>
+            <a:br>
+              <a:rPr lang="en-GB" dirty="0" smtClean="0"/>
+            </a:br>
+            <a:endParaRPr lang="en-GB" i="1" dirty="0"/>
           </a:p>
         </p:txBody>
       </p:sp>
@@ -6199,35 +6214,51 @@
         </p:nvSpPr>
         <p:spPr/>
         <p:txBody>
-          <a:bodyPr/>
-          <a:lstStyle/>
-          <a:p>
-            <a:endParaRPr lang="en-GB" dirty="0" smtClean="0"/>
-          </a:p>
-          <a:p>
-            <a:endParaRPr lang="en-GB" dirty="0"/>
-          </a:p>
-          <a:p>
-            <a:endParaRPr lang="en-GB" dirty="0" smtClean="0"/>
-          </a:p>
-          <a:p>
-            <a:endParaRPr lang="en-GB" dirty="0"/>
-          </a:p>
-          <a:p>
-            <a:endParaRPr lang="en-GB" dirty="0" smtClean="0"/>
-          </a:p>
-          <a:p>
-            <a:endParaRPr lang="en-GB" dirty="0" smtClean="0"/>
-          </a:p>
-          <a:p>
-            <a:endParaRPr lang="en-GB" dirty="0"/>
-          </a:p>
-          <a:p>
-            <a:r>
-              <a:rPr lang="en-GB" i="1" dirty="0" smtClean="0"/>
-              <a:t>if no content parameter specified, all functions use current element as default</a:t>
-            </a:r>
-            <a:endParaRPr lang="en-GB" i="1" dirty="0"/>
+          <a:bodyPr anchor="b" anchorCtr="0">
+            <a:normAutofit/>
+          </a:bodyPr>
+          <a:lstStyle/>
+          <a:p>
+            <a:endParaRPr lang="en-GB" sz="1400" dirty="0" smtClean="0"/>
+          </a:p>
+          <a:p>
+            <a:r>
+              <a:rPr lang="en-GB" sz="1400" i="1" dirty="0"/>
+              <a:t>h</a:t>
+            </a:r>
+            <a:r>
+              <a:rPr lang="en-GB" sz="1400" i="1" dirty="0" smtClean="0"/>
+              <a:t>andful of functions that achieve &gt; 80% tasks</a:t>
+            </a:r>
+            <a:endParaRPr lang="en-GB" sz="1400" i="1" dirty="0"/>
+          </a:p>
+          <a:p>
+            <a:endParaRPr lang="en-GB" sz="1400" dirty="0" smtClean="0"/>
+          </a:p>
+          <a:p>
+            <a:r>
+              <a:rPr lang="en-GB" sz="1400" i="1" dirty="0" smtClean="0"/>
+              <a:t>functions based on commonly used terms</a:t>
+            </a:r>
+            <a:endParaRPr lang="en-GB" sz="1400" i="1" dirty="0"/>
+          </a:p>
+          <a:p>
+            <a:endParaRPr lang="en-GB" sz="1400" i="1" dirty="0" smtClean="0"/>
+          </a:p>
+          <a:p>
+            <a:r>
+              <a:rPr lang="en-GB" sz="1400" i="1" dirty="0" smtClean="0"/>
+              <a:t>if </a:t>
+            </a:r>
+            <a:r>
+              <a:rPr lang="en-GB" sz="1400" i="1" dirty="0" smtClean="0"/>
+              <a:t>no content parameter specified, all functions use current element as </a:t>
+            </a:r>
+            <a:r>
+              <a:rPr lang="en-GB" sz="1400" i="1" dirty="0" smtClean="0"/>
+              <a:t>default content</a:t>
+            </a:r>
+            <a:endParaRPr lang="en-GB" sz="1400" i="1" dirty="0"/>
           </a:p>
         </p:txBody>
       </p:sp>
@@ -6274,6 +6305,3267 @@
           </a:p>
         </p:txBody>
       </p:sp>
+      <p:graphicFrame>
+        <p:nvGraphicFramePr>
+          <p:cNvPr id="5" name="Table 4"/>
+          <p:cNvGraphicFramePr>
+            <a:graphicFrameLocks noGrp="1"/>
+          </p:cNvGraphicFramePr>
+          <p:nvPr>
+            <p:extLst>
+              <p:ext uri="{D42A27DB-BD31-4B8C-83A1-F6EECF244321}">
+                <p14:modId xmlns:p14="http://schemas.microsoft.com/office/powerpoint/2010/main" val="7489771"/>
+              </p:ext>
+            </p:extLst>
+          </p:nvPr>
+        </p:nvGraphicFramePr>
+        <p:xfrm>
+          <a:off x="2987824" y="620688"/>
+          <a:ext cx="5930548" cy="5477118"/>
+        </p:xfrm>
+        <a:graphic>
+          <a:graphicData uri="http://schemas.openxmlformats.org/drawingml/2006/table">
+            <a:tbl>
+              <a:tblPr/>
+              <a:tblGrid>
+                <a:gridCol w="1656184"/>
+                <a:gridCol w="4274364"/>
+              </a:tblGrid>
+              <a:tr h="323863">
+                <a:tc>
+                  <a:txBody>
+                    <a:bodyPr/>
+                    <a:lstStyle/>
+                    <a:p>
+                      <a:pPr fontAlgn="t"/>
+                      <a:r>
+                        <a:rPr lang="en-GB" sz="1000" dirty="0">
+                          <a:solidFill>
+                            <a:srgbClr val="008000"/>
+                          </a:solidFill>
+                          <a:effectLst/>
+                        </a:rPr>
+                        <a:t>alternate</a:t>
+                      </a:r>
+                      <a:r>
+                        <a:rPr lang="en-GB" sz="1000" dirty="0">
+                          <a:effectLst/>
+                        </a:rPr>
+                        <a:t> (</a:t>
+                      </a:r>
+                      <a:r>
+                        <a:rPr lang="en-GB" sz="1000" dirty="0" err="1">
+                          <a:effectLst/>
+                        </a:rPr>
+                        <a:t>default,alternate</a:t>
+                      </a:r>
+                      <a:r>
+                        <a:rPr lang="en-GB" sz="1000" dirty="0">
+                          <a:effectLst/>
+                        </a:rPr>
+                        <a:t>)</a:t>
+                      </a:r>
+                    </a:p>
+                  </a:txBody>
+                  <a:tcPr marL="7495" marR="7495" marT="7495" marB="7495">
+                    <a:lnL w="9525" cap="flat" cmpd="sng" algn="ctr">
+                      <a:solidFill>
+                        <a:srgbClr val="000000"/>
+                      </a:solidFill>
+                      <a:prstDash val="solid"/>
+                      <a:round/>
+                      <a:headEnd type="none" w="med" len="med"/>
+                      <a:tailEnd type="none" w="med" len="med"/>
+                    </a:lnL>
+                    <a:lnR w="9525" cap="flat" cmpd="sng" algn="ctr">
+                      <a:solidFill>
+                        <a:srgbClr val="000000"/>
+                      </a:solidFill>
+                      <a:prstDash val="solid"/>
+                      <a:round/>
+                      <a:headEnd type="none" w="med" len="med"/>
+                      <a:tailEnd type="none" w="med" len="med"/>
+                    </a:lnR>
+                    <a:lnT w="9525" cap="flat" cmpd="sng" algn="ctr">
+                      <a:solidFill>
+                        <a:srgbClr val="000000"/>
+                      </a:solidFill>
+                      <a:prstDash val="solid"/>
+                      <a:round/>
+                      <a:headEnd type="none" w="med" len="med"/>
+                      <a:tailEnd type="none" w="med" len="med"/>
+                    </a:lnT>
+                    <a:lnB w="9525" cap="flat" cmpd="sng" algn="ctr">
+                      <a:solidFill>
+                        <a:srgbClr val="000000"/>
+                      </a:solidFill>
+                      <a:prstDash val="solid"/>
+                      <a:round/>
+                      <a:headEnd type="none" w="med" len="med"/>
+                      <a:tailEnd type="none" w="med" len="med"/>
+                    </a:lnB>
+                    <a:solidFill>
+                      <a:srgbClr val="FFFFFF"/>
+                    </a:solidFill>
+                  </a:tcPr>
+                </a:tc>
+                <a:tc>
+                  <a:txBody>
+                    <a:bodyPr/>
+                    <a:lstStyle/>
+                    <a:p>
+                      <a:pPr fontAlgn="t"/>
+                      <a:r>
+                        <a:rPr lang="en-GB" sz="1000" dirty="0">
+                          <a:effectLst/>
+                        </a:rPr>
+                        <a:t>create a specialized display of alternating elements for displaying the preferred version, both at once or toggling between the two.</a:t>
+                      </a:r>
+                    </a:p>
+                  </a:txBody>
+                  <a:tcPr marL="7495" marR="7495" marT="7495" marB="7495">
+                    <a:lnL w="9525" cap="flat" cmpd="sng" algn="ctr">
+                      <a:solidFill>
+                        <a:srgbClr val="000000"/>
+                      </a:solidFill>
+                      <a:prstDash val="solid"/>
+                      <a:round/>
+                      <a:headEnd type="none" w="med" len="med"/>
+                      <a:tailEnd type="none" w="med" len="med"/>
+                    </a:lnL>
+                    <a:lnR w="9525" cap="flat" cmpd="sng" algn="ctr">
+                      <a:solidFill>
+                        <a:srgbClr val="000000"/>
+                      </a:solidFill>
+                      <a:prstDash val="solid"/>
+                      <a:round/>
+                      <a:headEnd type="none" w="med" len="med"/>
+                      <a:tailEnd type="none" w="med" len="med"/>
+                    </a:lnR>
+                    <a:lnT w="9525" cap="flat" cmpd="sng" algn="ctr">
+                      <a:solidFill>
+                        <a:srgbClr val="000000"/>
+                      </a:solidFill>
+                      <a:prstDash val="solid"/>
+                      <a:round/>
+                      <a:headEnd type="none" w="med" len="med"/>
+                      <a:tailEnd type="none" w="med" len="med"/>
+                    </a:lnT>
+                    <a:lnB w="9525" cap="flat" cmpd="sng" algn="ctr">
+                      <a:solidFill>
+                        <a:srgbClr val="000000"/>
+                      </a:solidFill>
+                      <a:prstDash val="solid"/>
+                      <a:round/>
+                      <a:headEnd type="none" w="med" len="med"/>
+                      <a:tailEnd type="none" w="med" len="med"/>
+                    </a:lnB>
+                    <a:solidFill>
+                      <a:srgbClr val="FFFFFF"/>
+                    </a:solidFill>
+                  </a:tcPr>
+                </a:tc>
+              </a:tr>
+              <a:tr h="169522">
+                <a:tc>
+                  <a:txBody>
+                    <a:bodyPr/>
+                    <a:lstStyle/>
+                    <a:p>
+                      <a:pPr fontAlgn="t"/>
+                      <a:r>
+                        <a:rPr lang="en-GB" sz="1000">
+                          <a:solidFill>
+                            <a:srgbClr val="008000"/>
+                          </a:solidFill>
+                          <a:effectLst/>
+                        </a:rPr>
+                        <a:t>anchor</a:t>
+                      </a:r>
+                      <a:r>
+                        <a:rPr lang="en-GB" sz="1000">
+                          <a:effectLst/>
+                        </a:rPr>
+                        <a:t> (id)</a:t>
+                      </a:r>
+                    </a:p>
+                  </a:txBody>
+                  <a:tcPr marL="7495" marR="7495" marT="7495" marB="7495">
+                    <a:lnL w="9525" cap="flat" cmpd="sng" algn="ctr">
+                      <a:solidFill>
+                        <a:srgbClr val="000000"/>
+                      </a:solidFill>
+                      <a:prstDash val="solid"/>
+                      <a:round/>
+                      <a:headEnd type="none" w="med" len="med"/>
+                      <a:tailEnd type="none" w="med" len="med"/>
+                    </a:lnL>
+                    <a:lnR w="9525" cap="flat" cmpd="sng" algn="ctr">
+                      <a:solidFill>
+                        <a:srgbClr val="000000"/>
+                      </a:solidFill>
+                      <a:prstDash val="solid"/>
+                      <a:round/>
+                      <a:headEnd type="none" w="med" len="med"/>
+                      <a:tailEnd type="none" w="med" len="med"/>
+                    </a:lnR>
+                    <a:lnT w="9525" cap="flat" cmpd="sng" algn="ctr">
+                      <a:solidFill>
+                        <a:srgbClr val="000000"/>
+                      </a:solidFill>
+                      <a:prstDash val="solid"/>
+                      <a:round/>
+                      <a:headEnd type="none" w="med" len="med"/>
+                      <a:tailEnd type="none" w="med" len="med"/>
+                    </a:lnT>
+                    <a:lnB w="9525" cap="flat" cmpd="sng" algn="ctr">
+                      <a:solidFill>
+                        <a:srgbClr val="000000"/>
+                      </a:solidFill>
+                      <a:prstDash val="solid"/>
+                      <a:round/>
+                      <a:headEnd type="none" w="med" len="med"/>
+                      <a:tailEnd type="none" w="med" len="med"/>
+                    </a:lnB>
+                    <a:solidFill>
+                      <a:srgbClr val="FFFFFF"/>
+                    </a:solidFill>
+                  </a:tcPr>
+                </a:tc>
+                <a:tc>
+                  <a:txBody>
+                    <a:bodyPr/>
+                    <a:lstStyle/>
+                    <a:p>
+                      <a:pPr fontAlgn="t"/>
+                      <a:r>
+                        <a:rPr lang="en-GB" sz="1000">
+                          <a:effectLst/>
+                        </a:rPr>
+                        <a:t>create anchor with ID</a:t>
+                      </a:r>
+                    </a:p>
+                  </a:txBody>
+                  <a:tcPr marL="7495" marR="7495" marT="7495" marB="7495">
+                    <a:lnL w="9525" cap="flat" cmpd="sng" algn="ctr">
+                      <a:solidFill>
+                        <a:srgbClr val="000000"/>
+                      </a:solidFill>
+                      <a:prstDash val="solid"/>
+                      <a:round/>
+                      <a:headEnd type="none" w="med" len="med"/>
+                      <a:tailEnd type="none" w="med" len="med"/>
+                    </a:lnL>
+                    <a:lnR w="9525" cap="flat" cmpd="sng" algn="ctr">
+                      <a:solidFill>
+                        <a:srgbClr val="000000"/>
+                      </a:solidFill>
+                      <a:prstDash val="solid"/>
+                      <a:round/>
+                      <a:headEnd type="none" w="med" len="med"/>
+                      <a:tailEnd type="none" w="med" len="med"/>
+                    </a:lnR>
+                    <a:lnT w="9525" cap="flat" cmpd="sng" algn="ctr">
+                      <a:solidFill>
+                        <a:srgbClr val="000000"/>
+                      </a:solidFill>
+                      <a:prstDash val="solid"/>
+                      <a:round/>
+                      <a:headEnd type="none" w="med" len="med"/>
+                      <a:tailEnd type="none" w="med" len="med"/>
+                    </a:lnT>
+                    <a:lnB w="9525" cap="flat" cmpd="sng" algn="ctr">
+                      <a:solidFill>
+                        <a:srgbClr val="000000"/>
+                      </a:solidFill>
+                      <a:prstDash val="solid"/>
+                      <a:round/>
+                      <a:headEnd type="none" w="med" len="med"/>
+                      <a:tailEnd type="none" w="med" len="med"/>
+                    </a:lnB>
+                    <a:solidFill>
+                      <a:srgbClr val="FFFFFF"/>
+                    </a:solidFill>
+                  </a:tcPr>
+                </a:tc>
+              </a:tr>
+              <a:tr h="279710">
+                <a:tc>
+                  <a:txBody>
+                    <a:bodyPr/>
+                    <a:lstStyle/>
+                    <a:p>
+                      <a:pPr fontAlgn="t"/>
+                      <a:r>
+                        <a:rPr lang="en-GB" sz="1000">
+                          <a:solidFill>
+                            <a:srgbClr val="008000"/>
+                          </a:solidFill>
+                          <a:effectLst/>
+                        </a:rPr>
+                        <a:t>block</a:t>
+                      </a:r>
+                      <a:r>
+                        <a:rPr lang="en-GB" sz="1000">
+                          <a:effectLst/>
+                        </a:rPr>
+                        <a:t> (content)</a:t>
+                      </a:r>
+                    </a:p>
+                  </a:txBody>
+                  <a:tcPr marL="7495" marR="7495" marT="7495" marB="7495">
+                    <a:lnL w="9525" cap="flat" cmpd="sng" algn="ctr">
+                      <a:solidFill>
+                        <a:srgbClr val="000000"/>
+                      </a:solidFill>
+                      <a:prstDash val="solid"/>
+                      <a:round/>
+                      <a:headEnd type="none" w="med" len="med"/>
+                      <a:tailEnd type="none" w="med" len="med"/>
+                    </a:lnL>
+                    <a:lnR w="9525" cap="flat" cmpd="sng" algn="ctr">
+                      <a:solidFill>
+                        <a:srgbClr val="000000"/>
+                      </a:solidFill>
+                      <a:prstDash val="solid"/>
+                      <a:round/>
+                      <a:headEnd type="none" w="med" len="med"/>
+                      <a:tailEnd type="none" w="med" len="med"/>
+                    </a:lnR>
+                    <a:lnT w="9525" cap="flat" cmpd="sng" algn="ctr">
+                      <a:solidFill>
+                        <a:srgbClr val="000000"/>
+                      </a:solidFill>
+                      <a:prstDash val="solid"/>
+                      <a:round/>
+                      <a:headEnd type="none" w="med" len="med"/>
+                      <a:tailEnd type="none" w="med" len="med"/>
+                    </a:lnT>
+                    <a:lnB w="9525" cap="flat" cmpd="sng" algn="ctr">
+                      <a:solidFill>
+                        <a:srgbClr val="000000"/>
+                      </a:solidFill>
+                      <a:prstDash val="solid"/>
+                      <a:round/>
+                      <a:headEnd type="none" w="med" len="med"/>
+                      <a:tailEnd type="none" w="med" len="med"/>
+                    </a:lnB>
+                    <a:solidFill>
+                      <a:srgbClr val="FFFFFF"/>
+                    </a:solidFill>
+                  </a:tcPr>
+                </a:tc>
+                <a:tc>
+                  <a:txBody>
+                    <a:bodyPr/>
+                    <a:lstStyle/>
+                    <a:p>
+                      <a:pPr fontAlgn="t"/>
+                      <a:r>
+                        <a:rPr lang="en-GB" sz="1000" dirty="0">
+                          <a:effectLst/>
+                        </a:rPr>
+                        <a:t>create a block out of the content parameter.</a:t>
+                      </a:r>
+                    </a:p>
+                  </a:txBody>
+                  <a:tcPr marL="7495" marR="7495" marT="7495" marB="7495">
+                    <a:lnL w="9525" cap="flat" cmpd="sng" algn="ctr">
+                      <a:solidFill>
+                        <a:srgbClr val="000000"/>
+                      </a:solidFill>
+                      <a:prstDash val="solid"/>
+                      <a:round/>
+                      <a:headEnd type="none" w="med" len="med"/>
+                      <a:tailEnd type="none" w="med" len="med"/>
+                    </a:lnL>
+                    <a:lnR w="9525" cap="flat" cmpd="sng" algn="ctr">
+                      <a:solidFill>
+                        <a:srgbClr val="000000"/>
+                      </a:solidFill>
+                      <a:prstDash val="solid"/>
+                      <a:round/>
+                      <a:headEnd type="none" w="med" len="med"/>
+                      <a:tailEnd type="none" w="med" len="med"/>
+                    </a:lnR>
+                    <a:lnT w="9525" cap="flat" cmpd="sng" algn="ctr">
+                      <a:solidFill>
+                        <a:srgbClr val="000000"/>
+                      </a:solidFill>
+                      <a:prstDash val="solid"/>
+                      <a:round/>
+                      <a:headEnd type="none" w="med" len="med"/>
+                      <a:tailEnd type="none" w="med" len="med"/>
+                    </a:lnT>
+                    <a:lnB w="9525" cap="flat" cmpd="sng" algn="ctr">
+                      <a:solidFill>
+                        <a:srgbClr val="000000"/>
+                      </a:solidFill>
+                      <a:prstDash val="solid"/>
+                      <a:round/>
+                      <a:headEnd type="none" w="med" len="med"/>
+                      <a:tailEnd type="none" w="med" len="med"/>
+                    </a:lnB>
+                    <a:solidFill>
+                      <a:srgbClr val="FFFFFF"/>
+                    </a:solidFill>
+                  </a:tcPr>
+                </a:tc>
+              </a:tr>
+              <a:tr h="169522">
+                <a:tc>
+                  <a:txBody>
+                    <a:bodyPr/>
+                    <a:lstStyle/>
+                    <a:p>
+                      <a:pPr fontAlgn="t"/>
+                      <a:r>
+                        <a:rPr lang="en-GB" sz="1000">
+                          <a:solidFill>
+                            <a:srgbClr val="008000"/>
+                          </a:solidFill>
+                          <a:effectLst/>
+                        </a:rPr>
+                        <a:t>body</a:t>
+                      </a:r>
+                      <a:r>
+                        <a:rPr lang="en-GB" sz="1000">
+                          <a:effectLst/>
+                        </a:rPr>
+                        <a:t> (content)</a:t>
+                      </a:r>
+                    </a:p>
+                  </a:txBody>
+                  <a:tcPr marL="7495" marR="7495" marT="7495" marB="7495">
+                    <a:lnL w="9525" cap="flat" cmpd="sng" algn="ctr">
+                      <a:solidFill>
+                        <a:srgbClr val="000000"/>
+                      </a:solidFill>
+                      <a:prstDash val="solid"/>
+                      <a:round/>
+                      <a:headEnd type="none" w="med" len="med"/>
+                      <a:tailEnd type="none" w="med" len="med"/>
+                    </a:lnL>
+                    <a:lnR w="9525" cap="flat" cmpd="sng" algn="ctr">
+                      <a:solidFill>
+                        <a:srgbClr val="000000"/>
+                      </a:solidFill>
+                      <a:prstDash val="solid"/>
+                      <a:round/>
+                      <a:headEnd type="none" w="med" len="med"/>
+                      <a:tailEnd type="none" w="med" len="med"/>
+                    </a:lnR>
+                    <a:lnT w="9525" cap="flat" cmpd="sng" algn="ctr">
+                      <a:solidFill>
+                        <a:srgbClr val="000000"/>
+                      </a:solidFill>
+                      <a:prstDash val="solid"/>
+                      <a:round/>
+                      <a:headEnd type="none" w="med" len="med"/>
+                      <a:tailEnd type="none" w="med" len="med"/>
+                    </a:lnT>
+                    <a:lnB w="9525" cap="flat" cmpd="sng" algn="ctr">
+                      <a:solidFill>
+                        <a:srgbClr val="000000"/>
+                      </a:solidFill>
+                      <a:prstDash val="solid"/>
+                      <a:round/>
+                      <a:headEnd type="none" w="med" len="med"/>
+                      <a:tailEnd type="none" w="med" len="med"/>
+                    </a:lnB>
+                    <a:solidFill>
+                      <a:srgbClr val="FFFFFF"/>
+                    </a:solidFill>
+                  </a:tcPr>
+                </a:tc>
+                <a:tc>
+                  <a:txBody>
+                    <a:bodyPr/>
+                    <a:lstStyle/>
+                    <a:p>
+                      <a:pPr fontAlgn="t"/>
+                      <a:r>
+                        <a:rPr lang="en-GB" sz="1000">
+                          <a:effectLst/>
+                        </a:rPr>
+                        <a:t>create the body of a document.</a:t>
+                      </a:r>
+                    </a:p>
+                  </a:txBody>
+                  <a:tcPr marL="7495" marR="7495" marT="7495" marB="7495">
+                    <a:lnL w="9525" cap="flat" cmpd="sng" algn="ctr">
+                      <a:solidFill>
+                        <a:srgbClr val="000000"/>
+                      </a:solidFill>
+                      <a:prstDash val="solid"/>
+                      <a:round/>
+                      <a:headEnd type="none" w="med" len="med"/>
+                      <a:tailEnd type="none" w="med" len="med"/>
+                    </a:lnL>
+                    <a:lnR w="9525" cap="flat" cmpd="sng" algn="ctr">
+                      <a:solidFill>
+                        <a:srgbClr val="000000"/>
+                      </a:solidFill>
+                      <a:prstDash val="solid"/>
+                      <a:round/>
+                      <a:headEnd type="none" w="med" len="med"/>
+                      <a:tailEnd type="none" w="med" len="med"/>
+                    </a:lnR>
+                    <a:lnT w="9525" cap="flat" cmpd="sng" algn="ctr">
+                      <a:solidFill>
+                        <a:srgbClr val="000000"/>
+                      </a:solidFill>
+                      <a:prstDash val="solid"/>
+                      <a:round/>
+                      <a:headEnd type="none" w="med" len="med"/>
+                      <a:tailEnd type="none" w="med" len="med"/>
+                    </a:lnT>
+                    <a:lnB w="9525" cap="flat" cmpd="sng" algn="ctr">
+                      <a:solidFill>
+                        <a:srgbClr val="000000"/>
+                      </a:solidFill>
+                      <a:prstDash val="solid"/>
+                      <a:round/>
+                      <a:headEnd type="none" w="med" len="med"/>
+                      <a:tailEnd type="none" w="med" len="med"/>
+                    </a:lnB>
+                    <a:solidFill>
+                      <a:srgbClr val="FFFFFF"/>
+                    </a:solidFill>
+                  </a:tcPr>
+                </a:tc>
+              </a:tr>
+              <a:tr h="279710">
+                <a:tc>
+                  <a:txBody>
+                    <a:bodyPr/>
+                    <a:lstStyle/>
+                    <a:p>
+                      <a:pPr fontAlgn="t"/>
+                      <a:r>
+                        <a:rPr lang="en-GB" sz="1000">
+                          <a:solidFill>
+                            <a:srgbClr val="008000"/>
+                          </a:solidFill>
+                          <a:effectLst/>
+                        </a:rPr>
+                        <a:t>break</a:t>
+                      </a:r>
+                      <a:r>
+                        <a:rPr lang="en-GB" sz="1000">
+                          <a:effectLst/>
+                        </a:rPr>
+                        <a:t> (type,label)</a:t>
+                      </a:r>
+                    </a:p>
+                  </a:txBody>
+                  <a:tcPr marL="7495" marR="7495" marT="7495" marB="7495">
+                    <a:lnL w="9525" cap="flat" cmpd="sng" algn="ctr">
+                      <a:solidFill>
+                        <a:srgbClr val="000000"/>
+                      </a:solidFill>
+                      <a:prstDash val="solid"/>
+                      <a:round/>
+                      <a:headEnd type="none" w="med" len="med"/>
+                      <a:tailEnd type="none" w="med" len="med"/>
+                    </a:lnL>
+                    <a:lnR w="9525" cap="flat" cmpd="sng" algn="ctr">
+                      <a:solidFill>
+                        <a:srgbClr val="000000"/>
+                      </a:solidFill>
+                      <a:prstDash val="solid"/>
+                      <a:round/>
+                      <a:headEnd type="none" w="med" len="med"/>
+                      <a:tailEnd type="none" w="med" len="med"/>
+                    </a:lnR>
+                    <a:lnT w="9525" cap="flat" cmpd="sng" algn="ctr">
+                      <a:solidFill>
+                        <a:srgbClr val="000000"/>
+                      </a:solidFill>
+                      <a:prstDash val="solid"/>
+                      <a:round/>
+                      <a:headEnd type="none" w="med" len="med"/>
+                      <a:tailEnd type="none" w="med" len="med"/>
+                    </a:lnT>
+                    <a:lnB w="9525" cap="flat" cmpd="sng" algn="ctr">
+                      <a:solidFill>
+                        <a:srgbClr val="000000"/>
+                      </a:solidFill>
+                      <a:prstDash val="solid"/>
+                      <a:round/>
+                      <a:headEnd type="none" w="med" len="med"/>
+                      <a:tailEnd type="none" w="med" len="med"/>
+                    </a:lnB>
+                    <a:solidFill>
+                      <a:srgbClr val="FFFFFF"/>
+                    </a:solidFill>
+                  </a:tcPr>
+                </a:tc>
+                <a:tc>
+                  <a:txBody>
+                    <a:bodyPr/>
+                    <a:lstStyle/>
+                    <a:p>
+                      <a:pPr fontAlgn="t"/>
+                      <a:r>
+                        <a:rPr lang="en-GB" sz="1000">
+                          <a:effectLst/>
+                        </a:rPr>
+                        <a:t>make a line, column, or page break according to type</a:t>
+                      </a:r>
+                    </a:p>
+                  </a:txBody>
+                  <a:tcPr marL="7495" marR="7495" marT="7495" marB="7495">
+                    <a:lnL w="9525" cap="flat" cmpd="sng" algn="ctr">
+                      <a:solidFill>
+                        <a:srgbClr val="000000"/>
+                      </a:solidFill>
+                      <a:prstDash val="solid"/>
+                      <a:round/>
+                      <a:headEnd type="none" w="med" len="med"/>
+                      <a:tailEnd type="none" w="med" len="med"/>
+                    </a:lnL>
+                    <a:lnR w="9525" cap="flat" cmpd="sng" algn="ctr">
+                      <a:solidFill>
+                        <a:srgbClr val="000000"/>
+                      </a:solidFill>
+                      <a:prstDash val="solid"/>
+                      <a:round/>
+                      <a:headEnd type="none" w="med" len="med"/>
+                      <a:tailEnd type="none" w="med" len="med"/>
+                    </a:lnR>
+                    <a:lnT w="9525" cap="flat" cmpd="sng" algn="ctr">
+                      <a:solidFill>
+                        <a:srgbClr val="000000"/>
+                      </a:solidFill>
+                      <a:prstDash val="solid"/>
+                      <a:round/>
+                      <a:headEnd type="none" w="med" len="med"/>
+                      <a:tailEnd type="none" w="med" len="med"/>
+                    </a:lnT>
+                    <a:lnB w="9525" cap="flat" cmpd="sng" algn="ctr">
+                      <a:solidFill>
+                        <a:srgbClr val="000000"/>
+                      </a:solidFill>
+                      <a:prstDash val="solid"/>
+                      <a:round/>
+                      <a:headEnd type="none" w="med" len="med"/>
+                      <a:tailEnd type="none" w="med" len="med"/>
+                    </a:lnB>
+                    <a:solidFill>
+                      <a:srgbClr val="FFFFFF"/>
+                    </a:solidFill>
+                  </a:tcPr>
+                </a:tc>
+              </a:tr>
+              <a:tr h="169522">
+                <a:tc>
+                  <a:txBody>
+                    <a:bodyPr/>
+                    <a:lstStyle/>
+                    <a:p>
+                      <a:pPr fontAlgn="t"/>
+                      <a:r>
+                        <a:rPr lang="en-GB" sz="1000">
+                          <a:solidFill>
+                            <a:srgbClr val="008000"/>
+                          </a:solidFill>
+                          <a:effectLst/>
+                        </a:rPr>
+                        <a:t>cell</a:t>
+                      </a:r>
+                      <a:r>
+                        <a:rPr lang="en-GB" sz="1000">
+                          <a:effectLst/>
+                        </a:rPr>
+                        <a:t> (content)</a:t>
+                      </a:r>
+                    </a:p>
+                  </a:txBody>
+                  <a:tcPr marL="7495" marR="7495" marT="7495" marB="7495">
+                    <a:lnL w="9525" cap="flat" cmpd="sng" algn="ctr">
+                      <a:solidFill>
+                        <a:srgbClr val="000000"/>
+                      </a:solidFill>
+                      <a:prstDash val="solid"/>
+                      <a:round/>
+                      <a:headEnd type="none" w="med" len="med"/>
+                      <a:tailEnd type="none" w="med" len="med"/>
+                    </a:lnL>
+                    <a:lnR w="9525" cap="flat" cmpd="sng" algn="ctr">
+                      <a:solidFill>
+                        <a:srgbClr val="000000"/>
+                      </a:solidFill>
+                      <a:prstDash val="solid"/>
+                      <a:round/>
+                      <a:headEnd type="none" w="med" len="med"/>
+                      <a:tailEnd type="none" w="med" len="med"/>
+                    </a:lnR>
+                    <a:lnT w="9525" cap="flat" cmpd="sng" algn="ctr">
+                      <a:solidFill>
+                        <a:srgbClr val="000000"/>
+                      </a:solidFill>
+                      <a:prstDash val="solid"/>
+                      <a:round/>
+                      <a:headEnd type="none" w="med" len="med"/>
+                      <a:tailEnd type="none" w="med" len="med"/>
+                    </a:lnT>
+                    <a:lnB w="9525" cap="flat" cmpd="sng" algn="ctr">
+                      <a:solidFill>
+                        <a:srgbClr val="000000"/>
+                      </a:solidFill>
+                      <a:prstDash val="solid"/>
+                      <a:round/>
+                      <a:headEnd type="none" w="med" len="med"/>
+                      <a:tailEnd type="none" w="med" len="med"/>
+                    </a:lnB>
+                    <a:solidFill>
+                      <a:srgbClr val="FFFFFF"/>
+                    </a:solidFill>
+                  </a:tcPr>
+                </a:tc>
+                <a:tc>
+                  <a:txBody>
+                    <a:bodyPr/>
+                    <a:lstStyle/>
+                    <a:p>
+                      <a:pPr fontAlgn="t"/>
+                      <a:r>
+                        <a:rPr lang="en-GB" sz="1000">
+                          <a:effectLst/>
+                        </a:rPr>
+                        <a:t>create a table cell</a:t>
+                      </a:r>
+                    </a:p>
+                  </a:txBody>
+                  <a:tcPr marL="7495" marR="7495" marT="7495" marB="7495">
+                    <a:lnL w="9525" cap="flat" cmpd="sng" algn="ctr">
+                      <a:solidFill>
+                        <a:srgbClr val="000000"/>
+                      </a:solidFill>
+                      <a:prstDash val="solid"/>
+                      <a:round/>
+                      <a:headEnd type="none" w="med" len="med"/>
+                      <a:tailEnd type="none" w="med" len="med"/>
+                    </a:lnL>
+                    <a:lnR w="9525" cap="flat" cmpd="sng" algn="ctr">
+                      <a:solidFill>
+                        <a:srgbClr val="000000"/>
+                      </a:solidFill>
+                      <a:prstDash val="solid"/>
+                      <a:round/>
+                      <a:headEnd type="none" w="med" len="med"/>
+                      <a:tailEnd type="none" w="med" len="med"/>
+                    </a:lnR>
+                    <a:lnT w="9525" cap="flat" cmpd="sng" algn="ctr">
+                      <a:solidFill>
+                        <a:srgbClr val="000000"/>
+                      </a:solidFill>
+                      <a:prstDash val="solid"/>
+                      <a:round/>
+                      <a:headEnd type="none" w="med" len="med"/>
+                      <a:tailEnd type="none" w="med" len="med"/>
+                    </a:lnT>
+                    <a:lnB w="9525" cap="flat" cmpd="sng" algn="ctr">
+                      <a:solidFill>
+                        <a:srgbClr val="000000"/>
+                      </a:solidFill>
+                      <a:prstDash val="solid"/>
+                      <a:round/>
+                      <a:headEnd type="none" w="med" len="med"/>
+                      <a:tailEnd type="none" w="med" len="med"/>
+                    </a:lnB>
+                    <a:solidFill>
+                      <a:srgbClr val="FFFFFF"/>
+                    </a:solidFill>
+                  </a:tcPr>
+                </a:tc>
+              </a:tr>
+              <a:tr h="279710">
+                <a:tc>
+                  <a:txBody>
+                    <a:bodyPr/>
+                    <a:lstStyle/>
+                    <a:p>
+                      <a:pPr fontAlgn="t"/>
+                      <a:r>
+                        <a:rPr lang="en-GB" sz="1000">
+                          <a:solidFill>
+                            <a:srgbClr val="008000"/>
+                          </a:solidFill>
+                          <a:effectLst/>
+                        </a:rPr>
+                        <a:t>cit</a:t>
+                      </a:r>
+                      <a:r>
+                        <a:rPr lang="en-GB" sz="1000">
+                          <a:effectLst/>
+                        </a:rPr>
+                        <a:t> (content,source)</a:t>
+                      </a:r>
+                    </a:p>
+                  </a:txBody>
+                  <a:tcPr marL="7495" marR="7495" marT="7495" marB="7495">
+                    <a:lnL w="9525" cap="flat" cmpd="sng" algn="ctr">
+                      <a:solidFill>
+                        <a:srgbClr val="000000"/>
+                      </a:solidFill>
+                      <a:prstDash val="solid"/>
+                      <a:round/>
+                      <a:headEnd type="none" w="med" len="med"/>
+                      <a:tailEnd type="none" w="med" len="med"/>
+                    </a:lnL>
+                    <a:lnR w="9525" cap="flat" cmpd="sng" algn="ctr">
+                      <a:solidFill>
+                        <a:srgbClr val="000000"/>
+                      </a:solidFill>
+                      <a:prstDash val="solid"/>
+                      <a:round/>
+                      <a:headEnd type="none" w="med" len="med"/>
+                      <a:tailEnd type="none" w="med" len="med"/>
+                    </a:lnR>
+                    <a:lnT w="9525" cap="flat" cmpd="sng" algn="ctr">
+                      <a:solidFill>
+                        <a:srgbClr val="000000"/>
+                      </a:solidFill>
+                      <a:prstDash val="solid"/>
+                      <a:round/>
+                      <a:headEnd type="none" w="med" len="med"/>
+                      <a:tailEnd type="none" w="med" len="med"/>
+                    </a:lnT>
+                    <a:lnB w="9525" cap="flat" cmpd="sng" algn="ctr">
+                      <a:solidFill>
+                        <a:srgbClr val="000000"/>
+                      </a:solidFill>
+                      <a:prstDash val="solid"/>
+                      <a:round/>
+                      <a:headEnd type="none" w="med" len="med"/>
+                      <a:tailEnd type="none" w="med" len="med"/>
+                    </a:lnB>
+                    <a:solidFill>
+                      <a:srgbClr val="FFFFFF"/>
+                    </a:solidFill>
+                  </a:tcPr>
+                </a:tc>
+                <a:tc>
+                  <a:txBody>
+                    <a:bodyPr/>
+                    <a:lstStyle/>
+                    <a:p>
+                      <a:pPr fontAlgn="t"/>
+                      <a:r>
+                        <a:rPr lang="en-GB" sz="1000">
+                          <a:effectLst/>
+                        </a:rPr>
+                        <a:t>show the content, with an indication of the source</a:t>
+                      </a:r>
+                    </a:p>
+                  </a:txBody>
+                  <a:tcPr marL="7495" marR="7495" marT="7495" marB="7495">
+                    <a:lnL w="9525" cap="flat" cmpd="sng" algn="ctr">
+                      <a:solidFill>
+                        <a:srgbClr val="000000"/>
+                      </a:solidFill>
+                      <a:prstDash val="solid"/>
+                      <a:round/>
+                      <a:headEnd type="none" w="med" len="med"/>
+                      <a:tailEnd type="none" w="med" len="med"/>
+                    </a:lnL>
+                    <a:lnR w="9525" cap="flat" cmpd="sng" algn="ctr">
+                      <a:solidFill>
+                        <a:srgbClr val="000000"/>
+                      </a:solidFill>
+                      <a:prstDash val="solid"/>
+                      <a:round/>
+                      <a:headEnd type="none" w="med" len="med"/>
+                      <a:tailEnd type="none" w="med" len="med"/>
+                    </a:lnR>
+                    <a:lnT w="9525" cap="flat" cmpd="sng" algn="ctr">
+                      <a:solidFill>
+                        <a:srgbClr val="000000"/>
+                      </a:solidFill>
+                      <a:prstDash val="solid"/>
+                      <a:round/>
+                      <a:headEnd type="none" w="med" len="med"/>
+                      <a:tailEnd type="none" w="med" len="med"/>
+                    </a:lnT>
+                    <a:lnB w="9525" cap="flat" cmpd="sng" algn="ctr">
+                      <a:solidFill>
+                        <a:srgbClr val="000000"/>
+                      </a:solidFill>
+                      <a:prstDash val="solid"/>
+                      <a:round/>
+                      <a:headEnd type="none" w="med" len="med"/>
+                      <a:tailEnd type="none" w="med" len="med"/>
+                    </a:lnB>
+                    <a:solidFill>
+                      <a:srgbClr val="FFFFFF"/>
+                    </a:solidFill>
+                  </a:tcPr>
+                </a:tc>
+              </a:tr>
+              <a:tr h="169522">
+                <a:tc>
+                  <a:txBody>
+                    <a:bodyPr/>
+                    <a:lstStyle/>
+                    <a:p>
+                      <a:pPr fontAlgn="t"/>
+                      <a:r>
+                        <a:rPr lang="en-GB" sz="1000">
+                          <a:solidFill>
+                            <a:srgbClr val="008000"/>
+                          </a:solidFill>
+                          <a:effectLst/>
+                        </a:rPr>
+                        <a:t>document</a:t>
+                      </a:r>
+                      <a:r>
+                        <a:rPr lang="en-GB" sz="1000">
+                          <a:effectLst/>
+                        </a:rPr>
+                        <a:t> (content)</a:t>
+                      </a:r>
+                    </a:p>
+                  </a:txBody>
+                  <a:tcPr marL="7495" marR="7495" marT="7495" marB="7495">
+                    <a:lnL w="9525" cap="flat" cmpd="sng" algn="ctr">
+                      <a:solidFill>
+                        <a:srgbClr val="000000"/>
+                      </a:solidFill>
+                      <a:prstDash val="solid"/>
+                      <a:round/>
+                      <a:headEnd type="none" w="med" len="med"/>
+                      <a:tailEnd type="none" w="med" len="med"/>
+                    </a:lnL>
+                    <a:lnR w="9525" cap="flat" cmpd="sng" algn="ctr">
+                      <a:solidFill>
+                        <a:srgbClr val="000000"/>
+                      </a:solidFill>
+                      <a:prstDash val="solid"/>
+                      <a:round/>
+                      <a:headEnd type="none" w="med" len="med"/>
+                      <a:tailEnd type="none" w="med" len="med"/>
+                    </a:lnR>
+                    <a:lnT w="9525" cap="flat" cmpd="sng" algn="ctr">
+                      <a:solidFill>
+                        <a:srgbClr val="000000"/>
+                      </a:solidFill>
+                      <a:prstDash val="solid"/>
+                      <a:round/>
+                      <a:headEnd type="none" w="med" len="med"/>
+                      <a:tailEnd type="none" w="med" len="med"/>
+                    </a:lnT>
+                    <a:lnB w="9525" cap="flat" cmpd="sng" algn="ctr">
+                      <a:solidFill>
+                        <a:srgbClr val="000000"/>
+                      </a:solidFill>
+                      <a:prstDash val="solid"/>
+                      <a:round/>
+                      <a:headEnd type="none" w="med" len="med"/>
+                      <a:tailEnd type="none" w="med" len="med"/>
+                    </a:lnB>
+                    <a:solidFill>
+                      <a:srgbClr val="FFFFFF"/>
+                    </a:solidFill>
+                  </a:tcPr>
+                </a:tc>
+                <a:tc>
+                  <a:txBody>
+                    <a:bodyPr/>
+                    <a:lstStyle/>
+                    <a:p>
+                      <a:pPr fontAlgn="t"/>
+                      <a:r>
+                        <a:rPr lang="en-GB" sz="1000">
+                          <a:effectLst/>
+                        </a:rPr>
+                        <a:t>start a new output document</a:t>
+                      </a:r>
+                    </a:p>
+                  </a:txBody>
+                  <a:tcPr marL="7495" marR="7495" marT="7495" marB="7495">
+                    <a:lnL w="9525" cap="flat" cmpd="sng" algn="ctr">
+                      <a:solidFill>
+                        <a:srgbClr val="000000"/>
+                      </a:solidFill>
+                      <a:prstDash val="solid"/>
+                      <a:round/>
+                      <a:headEnd type="none" w="med" len="med"/>
+                      <a:tailEnd type="none" w="med" len="med"/>
+                    </a:lnL>
+                    <a:lnR w="9525" cap="flat" cmpd="sng" algn="ctr">
+                      <a:solidFill>
+                        <a:srgbClr val="000000"/>
+                      </a:solidFill>
+                      <a:prstDash val="solid"/>
+                      <a:round/>
+                      <a:headEnd type="none" w="med" len="med"/>
+                      <a:tailEnd type="none" w="med" len="med"/>
+                    </a:lnR>
+                    <a:lnT w="9525" cap="flat" cmpd="sng" algn="ctr">
+                      <a:solidFill>
+                        <a:srgbClr val="000000"/>
+                      </a:solidFill>
+                      <a:prstDash val="solid"/>
+                      <a:round/>
+                      <a:headEnd type="none" w="med" len="med"/>
+                      <a:tailEnd type="none" w="med" len="med"/>
+                    </a:lnT>
+                    <a:lnB w="9525" cap="flat" cmpd="sng" algn="ctr">
+                      <a:solidFill>
+                        <a:srgbClr val="000000"/>
+                      </a:solidFill>
+                      <a:prstDash val="solid"/>
+                      <a:round/>
+                      <a:headEnd type="none" w="med" len="med"/>
+                      <a:tailEnd type="none" w="med" len="med"/>
+                    </a:lnB>
+                    <a:solidFill>
+                      <a:srgbClr val="FFFFFF"/>
+                    </a:solidFill>
+                  </a:tcPr>
+                </a:tc>
+              </a:tr>
+              <a:tr h="169522">
+                <a:tc>
+                  <a:txBody>
+                    <a:bodyPr/>
+                    <a:lstStyle/>
+                    <a:p>
+                      <a:pPr fontAlgn="t"/>
+                      <a:r>
+                        <a:rPr lang="en-GB" sz="1000">
+                          <a:solidFill>
+                            <a:srgbClr val="008000"/>
+                          </a:solidFill>
+                          <a:effectLst/>
+                        </a:rPr>
+                        <a:t>figure</a:t>
+                      </a:r>
+                      <a:r>
+                        <a:rPr lang="en-GB" sz="1000">
+                          <a:effectLst/>
+                        </a:rPr>
+                        <a:t> (title)</a:t>
+                      </a:r>
+                    </a:p>
+                  </a:txBody>
+                  <a:tcPr marL="7495" marR="7495" marT="7495" marB="7495">
+                    <a:lnL w="9525" cap="flat" cmpd="sng" algn="ctr">
+                      <a:solidFill>
+                        <a:srgbClr val="000000"/>
+                      </a:solidFill>
+                      <a:prstDash val="solid"/>
+                      <a:round/>
+                      <a:headEnd type="none" w="med" len="med"/>
+                      <a:tailEnd type="none" w="med" len="med"/>
+                    </a:lnL>
+                    <a:lnR w="9525" cap="flat" cmpd="sng" algn="ctr">
+                      <a:solidFill>
+                        <a:srgbClr val="000000"/>
+                      </a:solidFill>
+                      <a:prstDash val="solid"/>
+                      <a:round/>
+                      <a:headEnd type="none" w="med" len="med"/>
+                      <a:tailEnd type="none" w="med" len="med"/>
+                    </a:lnR>
+                    <a:lnT w="9525" cap="flat" cmpd="sng" algn="ctr">
+                      <a:solidFill>
+                        <a:srgbClr val="000000"/>
+                      </a:solidFill>
+                      <a:prstDash val="solid"/>
+                      <a:round/>
+                      <a:headEnd type="none" w="med" len="med"/>
+                      <a:tailEnd type="none" w="med" len="med"/>
+                    </a:lnT>
+                    <a:lnB w="9525" cap="flat" cmpd="sng" algn="ctr">
+                      <a:solidFill>
+                        <a:srgbClr val="000000"/>
+                      </a:solidFill>
+                      <a:prstDash val="solid"/>
+                      <a:round/>
+                      <a:headEnd type="none" w="med" len="med"/>
+                      <a:tailEnd type="none" w="med" len="med"/>
+                    </a:lnB>
+                    <a:solidFill>
+                      <a:srgbClr val="FFFFFF"/>
+                    </a:solidFill>
+                  </a:tcPr>
+                </a:tc>
+                <a:tc>
+                  <a:txBody>
+                    <a:bodyPr/>
+                    <a:lstStyle/>
+                    <a:p>
+                      <a:pPr fontAlgn="t"/>
+                      <a:r>
+                        <a:rPr lang="en-GB" sz="1000">
+                          <a:effectLst/>
+                        </a:rPr>
+                        <a:t>make a figure with the title as caption</a:t>
+                      </a:r>
+                    </a:p>
+                  </a:txBody>
+                  <a:tcPr marL="7495" marR="7495" marT="7495" marB="7495">
+                    <a:lnL w="9525" cap="flat" cmpd="sng" algn="ctr">
+                      <a:solidFill>
+                        <a:srgbClr val="000000"/>
+                      </a:solidFill>
+                      <a:prstDash val="solid"/>
+                      <a:round/>
+                      <a:headEnd type="none" w="med" len="med"/>
+                      <a:tailEnd type="none" w="med" len="med"/>
+                    </a:lnL>
+                    <a:lnR w="9525" cap="flat" cmpd="sng" algn="ctr">
+                      <a:solidFill>
+                        <a:srgbClr val="000000"/>
+                      </a:solidFill>
+                      <a:prstDash val="solid"/>
+                      <a:round/>
+                      <a:headEnd type="none" w="med" len="med"/>
+                      <a:tailEnd type="none" w="med" len="med"/>
+                    </a:lnR>
+                    <a:lnT w="9525" cap="flat" cmpd="sng" algn="ctr">
+                      <a:solidFill>
+                        <a:srgbClr val="000000"/>
+                      </a:solidFill>
+                      <a:prstDash val="solid"/>
+                      <a:round/>
+                      <a:headEnd type="none" w="med" len="med"/>
+                      <a:tailEnd type="none" w="med" len="med"/>
+                    </a:lnT>
+                    <a:lnB w="9525" cap="flat" cmpd="sng" algn="ctr">
+                      <a:solidFill>
+                        <a:srgbClr val="000000"/>
+                      </a:solidFill>
+                      <a:prstDash val="solid"/>
+                      <a:round/>
+                      <a:headEnd type="none" w="med" len="med"/>
+                      <a:tailEnd type="none" w="med" len="med"/>
+                    </a:lnB>
+                    <a:solidFill>
+                      <a:srgbClr val="FFFFFF"/>
+                    </a:solidFill>
+                  </a:tcPr>
+                </a:tc>
+              </a:tr>
+              <a:tr h="169522">
+                <a:tc>
+                  <a:txBody>
+                    <a:bodyPr/>
+                    <a:lstStyle/>
+                    <a:p>
+                      <a:pPr fontAlgn="t"/>
+                      <a:r>
+                        <a:rPr lang="en-GB" sz="1000">
+                          <a:solidFill>
+                            <a:srgbClr val="008000"/>
+                          </a:solidFill>
+                          <a:effectLst/>
+                        </a:rPr>
+                        <a:t>glyph</a:t>
+                      </a:r>
+                      <a:r>
+                        <a:rPr lang="en-GB" sz="1000">
+                          <a:effectLst/>
+                        </a:rPr>
+                        <a:t> (content)</a:t>
+                      </a:r>
+                    </a:p>
+                  </a:txBody>
+                  <a:tcPr marL="7495" marR="7495" marT="7495" marB="7495">
+                    <a:lnL w="9525" cap="flat" cmpd="sng" algn="ctr">
+                      <a:solidFill>
+                        <a:srgbClr val="000000"/>
+                      </a:solidFill>
+                      <a:prstDash val="solid"/>
+                      <a:round/>
+                      <a:headEnd type="none" w="med" len="med"/>
+                      <a:tailEnd type="none" w="med" len="med"/>
+                    </a:lnL>
+                    <a:lnR w="9525" cap="flat" cmpd="sng" algn="ctr">
+                      <a:solidFill>
+                        <a:srgbClr val="000000"/>
+                      </a:solidFill>
+                      <a:prstDash val="solid"/>
+                      <a:round/>
+                      <a:headEnd type="none" w="med" len="med"/>
+                      <a:tailEnd type="none" w="med" len="med"/>
+                    </a:lnR>
+                    <a:lnT w="9525" cap="flat" cmpd="sng" algn="ctr">
+                      <a:solidFill>
+                        <a:srgbClr val="000000"/>
+                      </a:solidFill>
+                      <a:prstDash val="solid"/>
+                      <a:round/>
+                      <a:headEnd type="none" w="med" len="med"/>
+                      <a:tailEnd type="none" w="med" len="med"/>
+                    </a:lnT>
+                    <a:lnB w="9525" cap="flat" cmpd="sng" algn="ctr">
+                      <a:solidFill>
+                        <a:srgbClr val="000000"/>
+                      </a:solidFill>
+                      <a:prstDash val="solid"/>
+                      <a:round/>
+                      <a:headEnd type="none" w="med" len="med"/>
+                      <a:tailEnd type="none" w="med" len="med"/>
+                    </a:lnB>
+                    <a:solidFill>
+                      <a:srgbClr val="FFFFFF"/>
+                    </a:solidFill>
+                  </a:tcPr>
+                </a:tc>
+                <a:tc>
+                  <a:txBody>
+                    <a:bodyPr/>
+                    <a:lstStyle/>
+                    <a:p>
+                      <a:pPr fontAlgn="t"/>
+                      <a:r>
+                        <a:rPr lang="en-GB" sz="1000">
+                          <a:effectLst/>
+                        </a:rPr>
+                        <a:t>show a character by looking up reference</a:t>
+                      </a:r>
+                    </a:p>
+                  </a:txBody>
+                  <a:tcPr marL="7495" marR="7495" marT="7495" marB="7495">
+                    <a:lnL w="9525" cap="flat" cmpd="sng" algn="ctr">
+                      <a:solidFill>
+                        <a:srgbClr val="000000"/>
+                      </a:solidFill>
+                      <a:prstDash val="solid"/>
+                      <a:round/>
+                      <a:headEnd type="none" w="med" len="med"/>
+                      <a:tailEnd type="none" w="med" len="med"/>
+                    </a:lnL>
+                    <a:lnR w="9525" cap="flat" cmpd="sng" algn="ctr">
+                      <a:solidFill>
+                        <a:srgbClr val="000000"/>
+                      </a:solidFill>
+                      <a:prstDash val="solid"/>
+                      <a:round/>
+                      <a:headEnd type="none" w="med" len="med"/>
+                      <a:tailEnd type="none" w="med" len="med"/>
+                    </a:lnR>
+                    <a:lnT w="9525" cap="flat" cmpd="sng" algn="ctr">
+                      <a:solidFill>
+                        <a:srgbClr val="000000"/>
+                      </a:solidFill>
+                      <a:prstDash val="solid"/>
+                      <a:round/>
+                      <a:headEnd type="none" w="med" len="med"/>
+                      <a:tailEnd type="none" w="med" len="med"/>
+                    </a:lnT>
+                    <a:lnB w="9525" cap="flat" cmpd="sng" algn="ctr">
+                      <a:solidFill>
+                        <a:srgbClr val="000000"/>
+                      </a:solidFill>
+                      <a:prstDash val="solid"/>
+                      <a:round/>
+                      <a:headEnd type="none" w="med" len="med"/>
+                      <a:tailEnd type="none" w="med" len="med"/>
+                    </a:lnB>
+                    <a:solidFill>
+                      <a:srgbClr val="FFFFFF"/>
+                    </a:solidFill>
+                  </a:tcPr>
+                </a:tc>
+              </a:tr>
+              <a:tr h="279710">
+                <a:tc>
+                  <a:txBody>
+                    <a:bodyPr/>
+                    <a:lstStyle/>
+                    <a:p>
+                      <a:pPr fontAlgn="t"/>
+                      <a:r>
+                        <a:rPr lang="en-GB" sz="1000">
+                          <a:solidFill>
+                            <a:srgbClr val="008000"/>
+                          </a:solidFill>
+                          <a:effectLst/>
+                        </a:rPr>
+                        <a:t>graphic</a:t>
+                      </a:r>
+                      <a:r>
+                        <a:rPr lang="en-GB" sz="1000">
+                          <a:effectLst/>
+                        </a:rPr>
+                        <a:t> (url)</a:t>
+                      </a:r>
+                    </a:p>
+                  </a:txBody>
+                  <a:tcPr marL="7495" marR="7495" marT="7495" marB="7495">
+                    <a:lnL w="9525" cap="flat" cmpd="sng" algn="ctr">
+                      <a:solidFill>
+                        <a:srgbClr val="000000"/>
+                      </a:solidFill>
+                      <a:prstDash val="solid"/>
+                      <a:round/>
+                      <a:headEnd type="none" w="med" len="med"/>
+                      <a:tailEnd type="none" w="med" len="med"/>
+                    </a:lnL>
+                    <a:lnR w="9525" cap="flat" cmpd="sng" algn="ctr">
+                      <a:solidFill>
+                        <a:srgbClr val="000000"/>
+                      </a:solidFill>
+                      <a:prstDash val="solid"/>
+                      <a:round/>
+                      <a:headEnd type="none" w="med" len="med"/>
+                      <a:tailEnd type="none" w="med" len="med"/>
+                    </a:lnR>
+                    <a:lnT w="9525" cap="flat" cmpd="sng" algn="ctr">
+                      <a:solidFill>
+                        <a:srgbClr val="000000"/>
+                      </a:solidFill>
+                      <a:prstDash val="solid"/>
+                      <a:round/>
+                      <a:headEnd type="none" w="med" len="med"/>
+                      <a:tailEnd type="none" w="med" len="med"/>
+                    </a:lnT>
+                    <a:lnB w="9525" cap="flat" cmpd="sng" algn="ctr">
+                      <a:solidFill>
+                        <a:srgbClr val="000000"/>
+                      </a:solidFill>
+                      <a:prstDash val="solid"/>
+                      <a:round/>
+                      <a:headEnd type="none" w="med" len="med"/>
+                      <a:tailEnd type="none" w="med" len="med"/>
+                    </a:lnB>
+                    <a:solidFill>
+                      <a:srgbClr val="FFFFFF"/>
+                    </a:solidFill>
+                  </a:tcPr>
+                </a:tc>
+                <a:tc>
+                  <a:txBody>
+                    <a:bodyPr/>
+                    <a:lstStyle/>
+                    <a:p>
+                      <a:pPr fontAlgn="t"/>
+                      <a:r>
+                        <a:rPr lang="en-GB" sz="1000">
+                          <a:effectLst/>
+                        </a:rPr>
+                        <a:t>if url is present, uses it to display graphic, else display a placeholder image.</a:t>
+                      </a:r>
+                    </a:p>
+                  </a:txBody>
+                  <a:tcPr marL="7495" marR="7495" marT="7495" marB="7495">
+                    <a:lnL w="9525" cap="flat" cmpd="sng" algn="ctr">
+                      <a:solidFill>
+                        <a:srgbClr val="000000"/>
+                      </a:solidFill>
+                      <a:prstDash val="solid"/>
+                      <a:round/>
+                      <a:headEnd type="none" w="med" len="med"/>
+                      <a:tailEnd type="none" w="med" len="med"/>
+                    </a:lnL>
+                    <a:lnR w="9525" cap="flat" cmpd="sng" algn="ctr">
+                      <a:solidFill>
+                        <a:srgbClr val="000000"/>
+                      </a:solidFill>
+                      <a:prstDash val="solid"/>
+                      <a:round/>
+                      <a:headEnd type="none" w="med" len="med"/>
+                      <a:tailEnd type="none" w="med" len="med"/>
+                    </a:lnR>
+                    <a:lnT w="9525" cap="flat" cmpd="sng" algn="ctr">
+                      <a:solidFill>
+                        <a:srgbClr val="000000"/>
+                      </a:solidFill>
+                      <a:prstDash val="solid"/>
+                      <a:round/>
+                      <a:headEnd type="none" w="med" len="med"/>
+                      <a:tailEnd type="none" w="med" len="med"/>
+                    </a:lnT>
+                    <a:lnB w="9525" cap="flat" cmpd="sng" algn="ctr">
+                      <a:solidFill>
+                        <a:srgbClr val="000000"/>
+                      </a:solidFill>
+                      <a:prstDash val="solid"/>
+                      <a:round/>
+                      <a:headEnd type="none" w="med" len="med"/>
+                      <a:tailEnd type="none" w="med" len="med"/>
+                    </a:lnB>
+                    <a:solidFill>
+                      <a:srgbClr val="FFFFFF"/>
+                    </a:solidFill>
+                  </a:tcPr>
+                </a:tc>
+              </a:tr>
+              <a:tr h="169522">
+                <a:tc>
+                  <a:txBody>
+                    <a:bodyPr/>
+                    <a:lstStyle/>
+                    <a:p>
+                      <a:pPr fontAlgn="t"/>
+                      <a:r>
+                        <a:rPr lang="en-GB" sz="1000">
+                          <a:solidFill>
+                            <a:srgbClr val="008000"/>
+                          </a:solidFill>
+                          <a:effectLst/>
+                        </a:rPr>
+                        <a:t>heading</a:t>
+                      </a:r>
+                      <a:r>
+                        <a:rPr lang="en-GB" sz="1000">
+                          <a:effectLst/>
+                        </a:rPr>
+                        <a:t> (content)</a:t>
+                      </a:r>
+                    </a:p>
+                  </a:txBody>
+                  <a:tcPr marL="7495" marR="7495" marT="7495" marB="7495">
+                    <a:lnL w="9525" cap="flat" cmpd="sng" algn="ctr">
+                      <a:solidFill>
+                        <a:srgbClr val="000000"/>
+                      </a:solidFill>
+                      <a:prstDash val="solid"/>
+                      <a:round/>
+                      <a:headEnd type="none" w="med" len="med"/>
+                      <a:tailEnd type="none" w="med" len="med"/>
+                    </a:lnL>
+                    <a:lnR w="9525" cap="flat" cmpd="sng" algn="ctr">
+                      <a:solidFill>
+                        <a:srgbClr val="000000"/>
+                      </a:solidFill>
+                      <a:prstDash val="solid"/>
+                      <a:round/>
+                      <a:headEnd type="none" w="med" len="med"/>
+                      <a:tailEnd type="none" w="med" len="med"/>
+                    </a:lnR>
+                    <a:lnT w="9525" cap="flat" cmpd="sng" algn="ctr">
+                      <a:solidFill>
+                        <a:srgbClr val="000000"/>
+                      </a:solidFill>
+                      <a:prstDash val="solid"/>
+                      <a:round/>
+                      <a:headEnd type="none" w="med" len="med"/>
+                      <a:tailEnd type="none" w="med" len="med"/>
+                    </a:lnT>
+                    <a:lnB w="9525" cap="flat" cmpd="sng" algn="ctr">
+                      <a:solidFill>
+                        <a:srgbClr val="000000"/>
+                      </a:solidFill>
+                      <a:prstDash val="solid"/>
+                      <a:round/>
+                      <a:headEnd type="none" w="med" len="med"/>
+                      <a:tailEnd type="none" w="med" len="med"/>
+                    </a:lnB>
+                    <a:solidFill>
+                      <a:srgbClr val="FFFFFF"/>
+                    </a:solidFill>
+                  </a:tcPr>
+                </a:tc>
+                <a:tc>
+                  <a:txBody>
+                    <a:bodyPr/>
+                    <a:lstStyle/>
+                    <a:p>
+                      <a:pPr fontAlgn="t"/>
+                      <a:r>
+                        <a:rPr lang="en-GB" sz="1000">
+                          <a:effectLst/>
+                        </a:rPr>
+                        <a:t>creates a heading.</a:t>
+                      </a:r>
+                    </a:p>
+                  </a:txBody>
+                  <a:tcPr marL="7495" marR="7495" marT="7495" marB="7495">
+                    <a:lnL w="9525" cap="flat" cmpd="sng" algn="ctr">
+                      <a:solidFill>
+                        <a:srgbClr val="000000"/>
+                      </a:solidFill>
+                      <a:prstDash val="solid"/>
+                      <a:round/>
+                      <a:headEnd type="none" w="med" len="med"/>
+                      <a:tailEnd type="none" w="med" len="med"/>
+                    </a:lnL>
+                    <a:lnR w="9525" cap="flat" cmpd="sng" algn="ctr">
+                      <a:solidFill>
+                        <a:srgbClr val="000000"/>
+                      </a:solidFill>
+                      <a:prstDash val="solid"/>
+                      <a:round/>
+                      <a:headEnd type="none" w="med" len="med"/>
+                      <a:tailEnd type="none" w="med" len="med"/>
+                    </a:lnR>
+                    <a:lnT w="9525" cap="flat" cmpd="sng" algn="ctr">
+                      <a:solidFill>
+                        <a:srgbClr val="000000"/>
+                      </a:solidFill>
+                      <a:prstDash val="solid"/>
+                      <a:round/>
+                      <a:headEnd type="none" w="med" len="med"/>
+                      <a:tailEnd type="none" w="med" len="med"/>
+                    </a:lnT>
+                    <a:lnB w="9525" cap="flat" cmpd="sng" algn="ctr">
+                      <a:solidFill>
+                        <a:srgbClr val="000000"/>
+                      </a:solidFill>
+                      <a:prstDash val="solid"/>
+                      <a:round/>
+                      <a:headEnd type="none" w="med" len="med"/>
+                      <a:tailEnd type="none" w="med" len="med"/>
+                    </a:lnB>
+                    <a:solidFill>
+                      <a:srgbClr val="FFFFFF"/>
+                    </a:solidFill>
+                  </a:tcPr>
+                </a:tc>
+              </a:tr>
+              <a:tr h="169522">
+                <a:tc>
+                  <a:txBody>
+                    <a:bodyPr/>
+                    <a:lstStyle/>
+                    <a:p>
+                      <a:pPr fontAlgn="t"/>
+                      <a:r>
+                        <a:rPr lang="en-GB" sz="1000">
+                          <a:solidFill>
+                            <a:srgbClr val="008000"/>
+                          </a:solidFill>
+                          <a:effectLst/>
+                        </a:rPr>
+                        <a:t>index</a:t>
+                      </a:r>
+                      <a:r>
+                        <a:rPr lang="en-GB" sz="1000">
+                          <a:effectLst/>
+                        </a:rPr>
+                        <a:t> (type)</a:t>
+                      </a:r>
+                    </a:p>
+                  </a:txBody>
+                  <a:tcPr marL="7495" marR="7495" marT="7495" marB="7495">
+                    <a:lnL w="9525" cap="flat" cmpd="sng" algn="ctr">
+                      <a:solidFill>
+                        <a:srgbClr val="000000"/>
+                      </a:solidFill>
+                      <a:prstDash val="solid"/>
+                      <a:round/>
+                      <a:headEnd type="none" w="med" len="med"/>
+                      <a:tailEnd type="none" w="med" len="med"/>
+                    </a:lnL>
+                    <a:lnR w="9525" cap="flat" cmpd="sng" algn="ctr">
+                      <a:solidFill>
+                        <a:srgbClr val="000000"/>
+                      </a:solidFill>
+                      <a:prstDash val="solid"/>
+                      <a:round/>
+                      <a:headEnd type="none" w="med" len="med"/>
+                      <a:tailEnd type="none" w="med" len="med"/>
+                    </a:lnR>
+                    <a:lnT w="9525" cap="flat" cmpd="sng" algn="ctr">
+                      <a:solidFill>
+                        <a:srgbClr val="000000"/>
+                      </a:solidFill>
+                      <a:prstDash val="solid"/>
+                      <a:round/>
+                      <a:headEnd type="none" w="med" len="med"/>
+                      <a:tailEnd type="none" w="med" len="med"/>
+                    </a:lnT>
+                    <a:lnB w="9525" cap="flat" cmpd="sng" algn="ctr">
+                      <a:solidFill>
+                        <a:srgbClr val="000000"/>
+                      </a:solidFill>
+                      <a:prstDash val="solid"/>
+                      <a:round/>
+                      <a:headEnd type="none" w="med" len="med"/>
+                      <a:tailEnd type="none" w="med" len="med"/>
+                    </a:lnB>
+                    <a:solidFill>
+                      <a:srgbClr val="FFFFFF"/>
+                    </a:solidFill>
+                  </a:tcPr>
+                </a:tc>
+                <a:tc>
+                  <a:txBody>
+                    <a:bodyPr/>
+                    <a:lstStyle/>
+                    <a:p>
+                      <a:pPr fontAlgn="t"/>
+                      <a:r>
+                        <a:rPr lang="en-GB" sz="1000">
+                          <a:effectLst/>
+                        </a:rPr>
+                        <a:t>generate list according to type</a:t>
+                      </a:r>
+                    </a:p>
+                  </a:txBody>
+                  <a:tcPr marL="7495" marR="7495" marT="7495" marB="7495">
+                    <a:lnL w="9525" cap="flat" cmpd="sng" algn="ctr">
+                      <a:solidFill>
+                        <a:srgbClr val="000000"/>
+                      </a:solidFill>
+                      <a:prstDash val="solid"/>
+                      <a:round/>
+                      <a:headEnd type="none" w="med" len="med"/>
+                      <a:tailEnd type="none" w="med" len="med"/>
+                    </a:lnL>
+                    <a:lnR w="9525" cap="flat" cmpd="sng" algn="ctr">
+                      <a:solidFill>
+                        <a:srgbClr val="000000"/>
+                      </a:solidFill>
+                      <a:prstDash val="solid"/>
+                      <a:round/>
+                      <a:headEnd type="none" w="med" len="med"/>
+                      <a:tailEnd type="none" w="med" len="med"/>
+                    </a:lnR>
+                    <a:lnT w="9525" cap="flat" cmpd="sng" algn="ctr">
+                      <a:solidFill>
+                        <a:srgbClr val="000000"/>
+                      </a:solidFill>
+                      <a:prstDash val="solid"/>
+                      <a:round/>
+                      <a:headEnd type="none" w="med" len="med"/>
+                      <a:tailEnd type="none" w="med" len="med"/>
+                    </a:lnT>
+                    <a:lnB w="9525" cap="flat" cmpd="sng" algn="ctr">
+                      <a:solidFill>
+                        <a:srgbClr val="000000"/>
+                      </a:solidFill>
+                      <a:prstDash val="solid"/>
+                      <a:round/>
+                      <a:headEnd type="none" w="med" len="med"/>
+                      <a:tailEnd type="none" w="med" len="med"/>
+                    </a:lnB>
+                    <a:solidFill>
+                      <a:srgbClr val="FFFFFF"/>
+                    </a:solidFill>
+                  </a:tcPr>
+                </a:tc>
+              </a:tr>
+              <a:tr h="369473">
+                <a:tc>
+                  <a:txBody>
+                    <a:bodyPr/>
+                    <a:lstStyle/>
+                    <a:p>
+                      <a:pPr fontAlgn="t"/>
+                      <a:r>
+                        <a:rPr lang="en-GB" sz="1000" dirty="0">
+                          <a:solidFill>
+                            <a:srgbClr val="008000"/>
+                          </a:solidFill>
+                          <a:effectLst/>
+                        </a:rPr>
+                        <a:t>inline</a:t>
+                      </a:r>
+                      <a:r>
+                        <a:rPr lang="en-GB" sz="1000" dirty="0">
+                          <a:effectLst/>
+                        </a:rPr>
+                        <a:t> (</a:t>
+                      </a:r>
+                      <a:r>
+                        <a:rPr lang="en-GB" sz="1000" dirty="0" err="1">
+                          <a:effectLst/>
+                        </a:rPr>
+                        <a:t>content,label</a:t>
+                      </a:r>
+                      <a:r>
+                        <a:rPr lang="en-GB" sz="1000" dirty="0">
+                          <a:effectLst/>
+                        </a:rPr>
+                        <a:t>)</a:t>
+                      </a:r>
+                    </a:p>
+                  </a:txBody>
+                  <a:tcPr marL="7495" marR="7495" marT="7495" marB="7495">
+                    <a:lnL w="9525" cap="flat" cmpd="sng" algn="ctr">
+                      <a:solidFill>
+                        <a:srgbClr val="000000"/>
+                      </a:solidFill>
+                      <a:prstDash val="solid"/>
+                      <a:round/>
+                      <a:headEnd type="none" w="med" len="med"/>
+                      <a:tailEnd type="none" w="med" len="med"/>
+                    </a:lnL>
+                    <a:lnR w="9525" cap="flat" cmpd="sng" algn="ctr">
+                      <a:solidFill>
+                        <a:srgbClr val="000000"/>
+                      </a:solidFill>
+                      <a:prstDash val="solid"/>
+                      <a:round/>
+                      <a:headEnd type="none" w="med" len="med"/>
+                      <a:tailEnd type="none" w="med" len="med"/>
+                    </a:lnR>
+                    <a:lnT w="9525" cap="flat" cmpd="sng" algn="ctr">
+                      <a:solidFill>
+                        <a:srgbClr val="000000"/>
+                      </a:solidFill>
+                      <a:prstDash val="solid"/>
+                      <a:round/>
+                      <a:headEnd type="none" w="med" len="med"/>
+                      <a:tailEnd type="none" w="med" len="med"/>
+                    </a:lnT>
+                    <a:lnB w="9525" cap="flat" cmpd="sng" algn="ctr">
+                      <a:solidFill>
+                        <a:srgbClr val="000000"/>
+                      </a:solidFill>
+                      <a:prstDash val="solid"/>
+                      <a:round/>
+                      <a:headEnd type="none" w="med" len="med"/>
+                      <a:tailEnd type="none" w="med" len="med"/>
+                    </a:lnB>
+                    <a:solidFill>
+                      <a:srgbClr val="FFFFFF"/>
+                    </a:solidFill>
+                  </a:tcPr>
+                </a:tc>
+                <a:tc>
+                  <a:txBody>
+                    <a:bodyPr/>
+                    <a:lstStyle/>
+                    <a:p>
+                      <a:pPr fontAlgn="t"/>
+                      <a:r>
+                        <a:rPr lang="en-GB" sz="1000" dirty="0">
+                          <a:effectLst/>
+                        </a:rPr>
+                        <a:t>creates inline element out of content if there's something in rendition, use that formatting otherwise just show text of selected content.</a:t>
+                      </a:r>
+                    </a:p>
+                  </a:txBody>
+                  <a:tcPr marL="7495" marR="7495" marT="7495" marB="7495">
+                    <a:lnL w="9525" cap="flat" cmpd="sng" algn="ctr">
+                      <a:solidFill>
+                        <a:srgbClr val="000000"/>
+                      </a:solidFill>
+                      <a:prstDash val="solid"/>
+                      <a:round/>
+                      <a:headEnd type="none" w="med" len="med"/>
+                      <a:tailEnd type="none" w="med" len="med"/>
+                    </a:lnL>
+                    <a:lnR w="9525" cap="flat" cmpd="sng" algn="ctr">
+                      <a:solidFill>
+                        <a:srgbClr val="000000"/>
+                      </a:solidFill>
+                      <a:prstDash val="solid"/>
+                      <a:round/>
+                      <a:headEnd type="none" w="med" len="med"/>
+                      <a:tailEnd type="none" w="med" len="med"/>
+                    </a:lnR>
+                    <a:lnT w="9525" cap="flat" cmpd="sng" algn="ctr">
+                      <a:solidFill>
+                        <a:srgbClr val="000000"/>
+                      </a:solidFill>
+                      <a:prstDash val="solid"/>
+                      <a:round/>
+                      <a:headEnd type="none" w="med" len="med"/>
+                      <a:tailEnd type="none" w="med" len="med"/>
+                    </a:lnT>
+                    <a:lnB w="9525" cap="flat" cmpd="sng" algn="ctr">
+                      <a:solidFill>
+                        <a:srgbClr val="000000"/>
+                      </a:solidFill>
+                      <a:prstDash val="solid"/>
+                      <a:round/>
+                      <a:headEnd type="none" w="med" len="med"/>
+                      <a:tailEnd type="none" w="med" len="med"/>
+                    </a:lnB>
+                    <a:solidFill>
+                      <a:srgbClr val="FFFFFF"/>
+                    </a:solidFill>
+                  </a:tcPr>
+                </a:tc>
+              </a:tr>
+              <a:tr h="169522">
+                <a:tc>
+                  <a:txBody>
+                    <a:bodyPr/>
+                    <a:lstStyle/>
+                    <a:p>
+                      <a:pPr fontAlgn="t"/>
+                      <a:r>
+                        <a:rPr lang="en-GB" sz="1000">
+                          <a:solidFill>
+                            <a:srgbClr val="008000"/>
+                          </a:solidFill>
+                          <a:effectLst/>
+                        </a:rPr>
+                        <a:t>link</a:t>
+                      </a:r>
+                      <a:r>
+                        <a:rPr lang="en-GB" sz="1000">
+                          <a:effectLst/>
+                        </a:rPr>
+                        <a:t> (content,target)</a:t>
+                      </a:r>
+                    </a:p>
+                  </a:txBody>
+                  <a:tcPr marL="7495" marR="7495" marT="7495" marB="7495">
+                    <a:lnL w="9525" cap="flat" cmpd="sng" algn="ctr">
+                      <a:solidFill>
+                        <a:srgbClr val="000000"/>
+                      </a:solidFill>
+                      <a:prstDash val="solid"/>
+                      <a:round/>
+                      <a:headEnd type="none" w="med" len="med"/>
+                      <a:tailEnd type="none" w="med" len="med"/>
+                    </a:lnL>
+                    <a:lnR w="9525" cap="flat" cmpd="sng" algn="ctr">
+                      <a:solidFill>
+                        <a:srgbClr val="000000"/>
+                      </a:solidFill>
+                      <a:prstDash val="solid"/>
+                      <a:round/>
+                      <a:headEnd type="none" w="med" len="med"/>
+                      <a:tailEnd type="none" w="med" len="med"/>
+                    </a:lnR>
+                    <a:lnT w="9525" cap="flat" cmpd="sng" algn="ctr">
+                      <a:solidFill>
+                        <a:srgbClr val="000000"/>
+                      </a:solidFill>
+                      <a:prstDash val="solid"/>
+                      <a:round/>
+                      <a:headEnd type="none" w="med" len="med"/>
+                      <a:tailEnd type="none" w="med" len="med"/>
+                    </a:lnT>
+                    <a:lnB w="9525" cap="flat" cmpd="sng" algn="ctr">
+                      <a:solidFill>
+                        <a:srgbClr val="000000"/>
+                      </a:solidFill>
+                      <a:prstDash val="solid"/>
+                      <a:round/>
+                      <a:headEnd type="none" w="med" len="med"/>
+                      <a:tailEnd type="none" w="med" len="med"/>
+                    </a:lnB>
+                    <a:solidFill>
+                      <a:srgbClr val="FFFFFF"/>
+                    </a:solidFill>
+                  </a:tcPr>
+                </a:tc>
+                <a:tc>
+                  <a:txBody>
+                    <a:bodyPr/>
+                    <a:lstStyle/>
+                    <a:p>
+                      <a:pPr fontAlgn="t"/>
+                      <a:r>
+                        <a:rPr lang="en-GB" sz="1000">
+                          <a:effectLst/>
+                        </a:rPr>
+                        <a:t>create hyperlink</a:t>
+                      </a:r>
+                    </a:p>
+                  </a:txBody>
+                  <a:tcPr marL="7495" marR="7495" marT="7495" marB="7495">
+                    <a:lnL w="9525" cap="flat" cmpd="sng" algn="ctr">
+                      <a:solidFill>
+                        <a:srgbClr val="000000"/>
+                      </a:solidFill>
+                      <a:prstDash val="solid"/>
+                      <a:round/>
+                      <a:headEnd type="none" w="med" len="med"/>
+                      <a:tailEnd type="none" w="med" len="med"/>
+                    </a:lnL>
+                    <a:lnR w="9525" cap="flat" cmpd="sng" algn="ctr">
+                      <a:solidFill>
+                        <a:srgbClr val="000000"/>
+                      </a:solidFill>
+                      <a:prstDash val="solid"/>
+                      <a:round/>
+                      <a:headEnd type="none" w="med" len="med"/>
+                      <a:tailEnd type="none" w="med" len="med"/>
+                    </a:lnR>
+                    <a:lnT w="9525" cap="flat" cmpd="sng" algn="ctr">
+                      <a:solidFill>
+                        <a:srgbClr val="000000"/>
+                      </a:solidFill>
+                      <a:prstDash val="solid"/>
+                      <a:round/>
+                      <a:headEnd type="none" w="med" len="med"/>
+                      <a:tailEnd type="none" w="med" len="med"/>
+                    </a:lnT>
+                    <a:lnB w="9525" cap="flat" cmpd="sng" algn="ctr">
+                      <a:solidFill>
+                        <a:srgbClr val="000000"/>
+                      </a:solidFill>
+                      <a:prstDash val="solid"/>
+                      <a:round/>
+                      <a:headEnd type="none" w="med" len="med"/>
+                      <a:tailEnd type="none" w="med" len="med"/>
+                    </a:lnB>
+                    <a:solidFill>
+                      <a:srgbClr val="FFFFFF"/>
+                    </a:solidFill>
+                  </a:tcPr>
+                </a:tc>
+              </a:tr>
+              <a:tr h="169522">
+                <a:tc>
+                  <a:txBody>
+                    <a:bodyPr/>
+                    <a:lstStyle/>
+                    <a:p>
+                      <a:pPr fontAlgn="t"/>
+                      <a:r>
+                        <a:rPr lang="en-GB" sz="1000">
+                          <a:solidFill>
+                            <a:srgbClr val="008000"/>
+                          </a:solidFill>
+                          <a:effectLst/>
+                        </a:rPr>
+                        <a:t>list</a:t>
+                      </a:r>
+                      <a:r>
+                        <a:rPr lang="en-GB" sz="1000">
+                          <a:effectLst/>
+                        </a:rPr>
+                        <a:t> (content)</a:t>
+                      </a:r>
+                    </a:p>
+                  </a:txBody>
+                  <a:tcPr marL="7495" marR="7495" marT="7495" marB="7495">
+                    <a:lnL w="9525" cap="flat" cmpd="sng" algn="ctr">
+                      <a:solidFill>
+                        <a:srgbClr val="000000"/>
+                      </a:solidFill>
+                      <a:prstDash val="solid"/>
+                      <a:round/>
+                      <a:headEnd type="none" w="med" len="med"/>
+                      <a:tailEnd type="none" w="med" len="med"/>
+                    </a:lnL>
+                    <a:lnR w="9525" cap="flat" cmpd="sng" algn="ctr">
+                      <a:solidFill>
+                        <a:srgbClr val="000000"/>
+                      </a:solidFill>
+                      <a:prstDash val="solid"/>
+                      <a:round/>
+                      <a:headEnd type="none" w="med" len="med"/>
+                      <a:tailEnd type="none" w="med" len="med"/>
+                    </a:lnR>
+                    <a:lnT w="9525" cap="flat" cmpd="sng" algn="ctr">
+                      <a:solidFill>
+                        <a:srgbClr val="000000"/>
+                      </a:solidFill>
+                      <a:prstDash val="solid"/>
+                      <a:round/>
+                      <a:headEnd type="none" w="med" len="med"/>
+                      <a:tailEnd type="none" w="med" len="med"/>
+                    </a:lnT>
+                    <a:lnB w="9525" cap="flat" cmpd="sng" algn="ctr">
+                      <a:solidFill>
+                        <a:srgbClr val="000000"/>
+                      </a:solidFill>
+                      <a:prstDash val="solid"/>
+                      <a:round/>
+                      <a:headEnd type="none" w="med" len="med"/>
+                      <a:tailEnd type="none" w="med" len="med"/>
+                    </a:lnB>
+                    <a:solidFill>
+                      <a:srgbClr val="FFFFFF"/>
+                    </a:solidFill>
+                  </a:tcPr>
+                </a:tc>
+                <a:tc>
+                  <a:txBody>
+                    <a:bodyPr/>
+                    <a:lstStyle/>
+                    <a:p>
+                      <a:pPr fontAlgn="t"/>
+                      <a:r>
+                        <a:rPr lang="en-GB" sz="1000">
+                          <a:effectLst/>
+                        </a:rPr>
+                        <a:t>create a list by following content</a:t>
+                      </a:r>
+                    </a:p>
+                  </a:txBody>
+                  <a:tcPr marL="7495" marR="7495" marT="7495" marB="7495">
+                    <a:lnL w="9525" cap="flat" cmpd="sng" algn="ctr">
+                      <a:solidFill>
+                        <a:srgbClr val="000000"/>
+                      </a:solidFill>
+                      <a:prstDash val="solid"/>
+                      <a:round/>
+                      <a:headEnd type="none" w="med" len="med"/>
+                      <a:tailEnd type="none" w="med" len="med"/>
+                    </a:lnL>
+                    <a:lnR w="9525" cap="flat" cmpd="sng" algn="ctr">
+                      <a:solidFill>
+                        <a:srgbClr val="000000"/>
+                      </a:solidFill>
+                      <a:prstDash val="solid"/>
+                      <a:round/>
+                      <a:headEnd type="none" w="med" len="med"/>
+                      <a:tailEnd type="none" w="med" len="med"/>
+                    </a:lnR>
+                    <a:lnT w="9525" cap="flat" cmpd="sng" algn="ctr">
+                      <a:solidFill>
+                        <a:srgbClr val="000000"/>
+                      </a:solidFill>
+                      <a:prstDash val="solid"/>
+                      <a:round/>
+                      <a:headEnd type="none" w="med" len="med"/>
+                      <a:tailEnd type="none" w="med" len="med"/>
+                    </a:lnT>
+                    <a:lnB w="9525" cap="flat" cmpd="sng" algn="ctr">
+                      <a:solidFill>
+                        <a:srgbClr val="000000"/>
+                      </a:solidFill>
+                      <a:prstDash val="solid"/>
+                      <a:round/>
+                      <a:headEnd type="none" w="med" len="med"/>
+                      <a:tailEnd type="none" w="med" len="med"/>
+                    </a:lnB>
+                    <a:solidFill>
+                      <a:srgbClr val="FFFFFF"/>
+                    </a:solidFill>
+                  </a:tcPr>
+                </a:tc>
+              </a:tr>
+              <a:tr h="169522">
+                <a:tc>
+                  <a:txBody>
+                    <a:bodyPr/>
+                    <a:lstStyle/>
+                    <a:p>
+                      <a:pPr fontAlgn="t"/>
+                      <a:r>
+                        <a:rPr lang="en-GB" sz="1000">
+                          <a:solidFill>
+                            <a:srgbClr val="008000"/>
+                          </a:solidFill>
+                          <a:effectLst/>
+                        </a:rPr>
+                        <a:t>listItem</a:t>
+                      </a:r>
+                      <a:r>
+                        <a:rPr lang="en-GB" sz="1000">
+                          <a:effectLst/>
+                        </a:rPr>
+                        <a:t> (content)</a:t>
+                      </a:r>
+                    </a:p>
+                  </a:txBody>
+                  <a:tcPr marL="7495" marR="7495" marT="7495" marB="7495">
+                    <a:lnL w="9525" cap="flat" cmpd="sng" algn="ctr">
+                      <a:solidFill>
+                        <a:srgbClr val="000000"/>
+                      </a:solidFill>
+                      <a:prstDash val="solid"/>
+                      <a:round/>
+                      <a:headEnd type="none" w="med" len="med"/>
+                      <a:tailEnd type="none" w="med" len="med"/>
+                    </a:lnL>
+                    <a:lnR w="9525" cap="flat" cmpd="sng" algn="ctr">
+                      <a:solidFill>
+                        <a:srgbClr val="000000"/>
+                      </a:solidFill>
+                      <a:prstDash val="solid"/>
+                      <a:round/>
+                      <a:headEnd type="none" w="med" len="med"/>
+                      <a:tailEnd type="none" w="med" len="med"/>
+                    </a:lnR>
+                    <a:lnT w="9525" cap="flat" cmpd="sng" algn="ctr">
+                      <a:solidFill>
+                        <a:srgbClr val="000000"/>
+                      </a:solidFill>
+                      <a:prstDash val="solid"/>
+                      <a:round/>
+                      <a:headEnd type="none" w="med" len="med"/>
+                      <a:tailEnd type="none" w="med" len="med"/>
+                    </a:lnT>
+                    <a:lnB w="9525" cap="flat" cmpd="sng" algn="ctr">
+                      <a:solidFill>
+                        <a:srgbClr val="000000"/>
+                      </a:solidFill>
+                      <a:prstDash val="solid"/>
+                      <a:round/>
+                      <a:headEnd type="none" w="med" len="med"/>
+                      <a:tailEnd type="none" w="med" len="med"/>
+                    </a:lnB>
+                    <a:solidFill>
+                      <a:srgbClr val="FFFFFF"/>
+                    </a:solidFill>
+                  </a:tcPr>
+                </a:tc>
+                <a:tc>
+                  <a:txBody>
+                    <a:bodyPr/>
+                    <a:lstStyle/>
+                    <a:p>
+                      <a:pPr fontAlgn="t"/>
+                      <a:r>
+                        <a:rPr lang="en-GB" sz="1000">
+                          <a:effectLst/>
+                        </a:rPr>
+                        <a:t>create list item</a:t>
+                      </a:r>
+                    </a:p>
+                  </a:txBody>
+                  <a:tcPr marL="7495" marR="7495" marT="7495" marB="7495">
+                    <a:lnL w="9525" cap="flat" cmpd="sng" algn="ctr">
+                      <a:solidFill>
+                        <a:srgbClr val="000000"/>
+                      </a:solidFill>
+                      <a:prstDash val="solid"/>
+                      <a:round/>
+                      <a:headEnd type="none" w="med" len="med"/>
+                      <a:tailEnd type="none" w="med" len="med"/>
+                    </a:lnL>
+                    <a:lnR w="9525" cap="flat" cmpd="sng" algn="ctr">
+                      <a:solidFill>
+                        <a:srgbClr val="000000"/>
+                      </a:solidFill>
+                      <a:prstDash val="solid"/>
+                      <a:round/>
+                      <a:headEnd type="none" w="med" len="med"/>
+                      <a:tailEnd type="none" w="med" len="med"/>
+                    </a:lnR>
+                    <a:lnT w="9525" cap="flat" cmpd="sng" algn="ctr">
+                      <a:solidFill>
+                        <a:srgbClr val="000000"/>
+                      </a:solidFill>
+                      <a:prstDash val="solid"/>
+                      <a:round/>
+                      <a:headEnd type="none" w="med" len="med"/>
+                      <a:tailEnd type="none" w="med" len="med"/>
+                    </a:lnT>
+                    <a:lnB w="9525" cap="flat" cmpd="sng" algn="ctr">
+                      <a:solidFill>
+                        <a:srgbClr val="000000"/>
+                      </a:solidFill>
+                      <a:prstDash val="solid"/>
+                      <a:round/>
+                      <a:headEnd type="none" w="med" len="med"/>
+                      <a:tailEnd type="none" w="med" len="med"/>
+                    </a:lnB>
+                    <a:solidFill>
+                      <a:srgbClr val="FFFFFF"/>
+                    </a:solidFill>
+                  </a:tcPr>
+                </a:tc>
+              </a:tr>
+              <a:tr h="169522">
+                <a:tc>
+                  <a:txBody>
+                    <a:bodyPr/>
+                    <a:lstStyle/>
+                    <a:p>
+                      <a:pPr fontAlgn="t"/>
+                      <a:r>
+                        <a:rPr lang="en-GB" sz="1000">
+                          <a:solidFill>
+                            <a:srgbClr val="008000"/>
+                          </a:solidFill>
+                          <a:effectLst/>
+                        </a:rPr>
+                        <a:t>metadata</a:t>
+                      </a:r>
+                      <a:r>
+                        <a:rPr lang="en-GB" sz="1000">
+                          <a:effectLst/>
+                        </a:rPr>
+                        <a:t> (content)</a:t>
+                      </a:r>
+                    </a:p>
+                  </a:txBody>
+                  <a:tcPr marL="7495" marR="7495" marT="7495" marB="7495">
+                    <a:lnL w="9525" cap="flat" cmpd="sng" algn="ctr">
+                      <a:solidFill>
+                        <a:srgbClr val="000000"/>
+                      </a:solidFill>
+                      <a:prstDash val="solid"/>
+                      <a:round/>
+                      <a:headEnd type="none" w="med" len="med"/>
+                      <a:tailEnd type="none" w="med" len="med"/>
+                    </a:lnL>
+                    <a:lnR w="9525" cap="flat" cmpd="sng" algn="ctr">
+                      <a:solidFill>
+                        <a:srgbClr val="000000"/>
+                      </a:solidFill>
+                      <a:prstDash val="solid"/>
+                      <a:round/>
+                      <a:headEnd type="none" w="med" len="med"/>
+                      <a:tailEnd type="none" w="med" len="med"/>
+                    </a:lnR>
+                    <a:lnT w="9525" cap="flat" cmpd="sng" algn="ctr">
+                      <a:solidFill>
+                        <a:srgbClr val="000000"/>
+                      </a:solidFill>
+                      <a:prstDash val="solid"/>
+                      <a:round/>
+                      <a:headEnd type="none" w="med" len="med"/>
+                      <a:tailEnd type="none" w="med" len="med"/>
+                    </a:lnT>
+                    <a:lnB w="9525" cap="flat" cmpd="sng" algn="ctr">
+                      <a:solidFill>
+                        <a:srgbClr val="000000"/>
+                      </a:solidFill>
+                      <a:prstDash val="solid"/>
+                      <a:round/>
+                      <a:headEnd type="none" w="med" len="med"/>
+                      <a:tailEnd type="none" w="med" len="med"/>
+                    </a:lnB>
+                    <a:solidFill>
+                      <a:srgbClr val="FFFFFF"/>
+                    </a:solidFill>
+                  </a:tcPr>
+                </a:tc>
+                <a:tc>
+                  <a:txBody>
+                    <a:bodyPr/>
+                    <a:lstStyle/>
+                    <a:p>
+                      <a:pPr fontAlgn="t"/>
+                      <a:r>
+                        <a:rPr lang="en-GB" sz="1000">
+                          <a:effectLst/>
+                        </a:rPr>
+                        <a:t>create metadata section</a:t>
+                      </a:r>
+                    </a:p>
+                  </a:txBody>
+                  <a:tcPr marL="7495" marR="7495" marT="7495" marB="7495">
+                    <a:lnL w="9525" cap="flat" cmpd="sng" algn="ctr">
+                      <a:solidFill>
+                        <a:srgbClr val="000000"/>
+                      </a:solidFill>
+                      <a:prstDash val="solid"/>
+                      <a:round/>
+                      <a:headEnd type="none" w="med" len="med"/>
+                      <a:tailEnd type="none" w="med" len="med"/>
+                    </a:lnL>
+                    <a:lnR w="9525" cap="flat" cmpd="sng" algn="ctr">
+                      <a:solidFill>
+                        <a:srgbClr val="000000"/>
+                      </a:solidFill>
+                      <a:prstDash val="solid"/>
+                      <a:round/>
+                      <a:headEnd type="none" w="med" len="med"/>
+                      <a:tailEnd type="none" w="med" len="med"/>
+                    </a:lnR>
+                    <a:lnT w="9525" cap="flat" cmpd="sng" algn="ctr">
+                      <a:solidFill>
+                        <a:srgbClr val="000000"/>
+                      </a:solidFill>
+                      <a:prstDash val="solid"/>
+                      <a:round/>
+                      <a:headEnd type="none" w="med" len="med"/>
+                      <a:tailEnd type="none" w="med" len="med"/>
+                    </a:lnT>
+                    <a:lnB w="9525" cap="flat" cmpd="sng" algn="ctr">
+                      <a:solidFill>
+                        <a:srgbClr val="000000"/>
+                      </a:solidFill>
+                      <a:prstDash val="solid"/>
+                      <a:round/>
+                      <a:headEnd type="none" w="med" len="med"/>
+                      <a:tailEnd type="none" w="med" len="med"/>
+                    </a:lnB>
+                    <a:solidFill>
+                      <a:srgbClr val="FFFFFF"/>
+                    </a:solidFill>
+                  </a:tcPr>
+                </a:tc>
+              </a:tr>
+              <a:tr h="410482">
+                <a:tc>
+                  <a:txBody>
+                    <a:bodyPr/>
+                    <a:lstStyle/>
+                    <a:p>
+                      <a:pPr fontAlgn="t"/>
+                      <a:r>
+                        <a:rPr lang="en-GB" sz="1000" dirty="0">
+                          <a:solidFill>
+                            <a:srgbClr val="008000"/>
+                          </a:solidFill>
+                          <a:effectLst/>
+                        </a:rPr>
+                        <a:t>note</a:t>
+                      </a:r>
+                      <a:r>
+                        <a:rPr lang="en-GB" sz="1000" dirty="0">
+                          <a:effectLst/>
+                        </a:rPr>
+                        <a:t> (</a:t>
+                      </a:r>
+                      <a:r>
+                        <a:rPr lang="en-GB" sz="1000" dirty="0" err="1">
+                          <a:effectLst/>
+                        </a:rPr>
+                        <a:t>content,place,marker</a:t>
+                      </a:r>
+                      <a:r>
+                        <a:rPr lang="en-GB" sz="1000" dirty="0">
+                          <a:effectLst/>
+                        </a:rPr>
+                        <a:t>)</a:t>
+                      </a:r>
+                    </a:p>
+                  </a:txBody>
+                  <a:tcPr marL="7495" marR="7495" marT="7495" marB="7495">
+                    <a:lnL w="9525" cap="flat" cmpd="sng" algn="ctr">
+                      <a:solidFill>
+                        <a:srgbClr val="000000"/>
+                      </a:solidFill>
+                      <a:prstDash val="solid"/>
+                      <a:round/>
+                      <a:headEnd type="none" w="med" len="med"/>
+                      <a:tailEnd type="none" w="med" len="med"/>
+                    </a:lnL>
+                    <a:lnR w="9525" cap="flat" cmpd="sng" algn="ctr">
+                      <a:solidFill>
+                        <a:srgbClr val="000000"/>
+                      </a:solidFill>
+                      <a:prstDash val="solid"/>
+                      <a:round/>
+                      <a:headEnd type="none" w="med" len="med"/>
+                      <a:tailEnd type="none" w="med" len="med"/>
+                    </a:lnR>
+                    <a:lnT w="9525" cap="flat" cmpd="sng" algn="ctr">
+                      <a:solidFill>
+                        <a:srgbClr val="000000"/>
+                      </a:solidFill>
+                      <a:prstDash val="solid"/>
+                      <a:round/>
+                      <a:headEnd type="none" w="med" len="med"/>
+                      <a:tailEnd type="none" w="med" len="med"/>
+                    </a:lnT>
+                    <a:lnB w="9525" cap="flat" cmpd="sng" algn="ctr">
+                      <a:solidFill>
+                        <a:srgbClr val="000000"/>
+                      </a:solidFill>
+                      <a:prstDash val="solid"/>
+                      <a:round/>
+                      <a:headEnd type="none" w="med" len="med"/>
+                      <a:tailEnd type="none" w="med" len="med"/>
+                    </a:lnB>
+                    <a:solidFill>
+                      <a:srgbClr val="FFFFFF"/>
+                    </a:solidFill>
+                  </a:tcPr>
+                </a:tc>
+                <a:tc>
+                  <a:txBody>
+                    <a:bodyPr/>
+                    <a:lstStyle/>
+                    <a:p>
+                      <a:pPr fontAlgn="t"/>
+                      <a:r>
+                        <a:rPr lang="en-GB" sz="1000">
+                          <a:effectLst/>
+                        </a:rPr>
+                        <a:t>create a note, according to value of place; could be margin, footnote, endnote, inline</a:t>
+                      </a:r>
+                    </a:p>
+                  </a:txBody>
+                  <a:tcPr marL="7495" marR="7495" marT="7495" marB="7495">
+                    <a:lnL w="9525" cap="flat" cmpd="sng" algn="ctr">
+                      <a:solidFill>
+                        <a:srgbClr val="000000"/>
+                      </a:solidFill>
+                      <a:prstDash val="solid"/>
+                      <a:round/>
+                      <a:headEnd type="none" w="med" len="med"/>
+                      <a:tailEnd type="none" w="med" len="med"/>
+                    </a:lnL>
+                    <a:lnR w="9525" cap="flat" cmpd="sng" algn="ctr">
+                      <a:solidFill>
+                        <a:srgbClr val="000000"/>
+                      </a:solidFill>
+                      <a:prstDash val="solid"/>
+                      <a:round/>
+                      <a:headEnd type="none" w="med" len="med"/>
+                      <a:tailEnd type="none" w="med" len="med"/>
+                    </a:lnR>
+                    <a:lnT w="9525" cap="flat" cmpd="sng" algn="ctr">
+                      <a:solidFill>
+                        <a:srgbClr val="000000"/>
+                      </a:solidFill>
+                      <a:prstDash val="solid"/>
+                      <a:round/>
+                      <a:headEnd type="none" w="med" len="med"/>
+                      <a:tailEnd type="none" w="med" len="med"/>
+                    </a:lnT>
+                    <a:lnB w="9525" cap="flat" cmpd="sng" algn="ctr">
+                      <a:solidFill>
+                        <a:srgbClr val="000000"/>
+                      </a:solidFill>
+                      <a:prstDash val="solid"/>
+                      <a:round/>
+                      <a:headEnd type="none" w="med" len="med"/>
+                      <a:tailEnd type="none" w="med" len="med"/>
+                    </a:lnB>
+                    <a:solidFill>
+                      <a:srgbClr val="FFFFFF"/>
+                    </a:solidFill>
+                  </a:tcPr>
+                </a:tc>
+              </a:tr>
+              <a:tr h="169522">
+                <a:tc>
+                  <a:txBody>
+                    <a:bodyPr/>
+                    <a:lstStyle/>
+                    <a:p>
+                      <a:pPr fontAlgn="t"/>
+                      <a:r>
+                        <a:rPr lang="en-GB" sz="1000" dirty="0">
+                          <a:solidFill>
+                            <a:srgbClr val="008000"/>
+                          </a:solidFill>
+                          <a:effectLst/>
+                        </a:rPr>
+                        <a:t>omit</a:t>
+                      </a:r>
+                      <a:endParaRPr lang="en-GB" sz="1000" dirty="0">
+                        <a:effectLst/>
+                      </a:endParaRPr>
+                    </a:p>
+                  </a:txBody>
+                  <a:tcPr marL="7495" marR="7495" marT="7495" marB="7495">
+                    <a:lnL w="9525" cap="flat" cmpd="sng" algn="ctr">
+                      <a:solidFill>
+                        <a:srgbClr val="000000"/>
+                      </a:solidFill>
+                      <a:prstDash val="solid"/>
+                      <a:round/>
+                      <a:headEnd type="none" w="med" len="med"/>
+                      <a:tailEnd type="none" w="med" len="med"/>
+                    </a:lnL>
+                    <a:lnR w="9525" cap="flat" cmpd="sng" algn="ctr">
+                      <a:solidFill>
+                        <a:srgbClr val="000000"/>
+                      </a:solidFill>
+                      <a:prstDash val="solid"/>
+                      <a:round/>
+                      <a:headEnd type="none" w="med" len="med"/>
+                      <a:tailEnd type="none" w="med" len="med"/>
+                    </a:lnR>
+                    <a:lnT w="9525" cap="flat" cmpd="sng" algn="ctr">
+                      <a:solidFill>
+                        <a:srgbClr val="000000"/>
+                      </a:solidFill>
+                      <a:prstDash val="solid"/>
+                      <a:round/>
+                      <a:headEnd type="none" w="med" len="med"/>
+                      <a:tailEnd type="none" w="med" len="med"/>
+                    </a:lnT>
+                    <a:lnB w="9525" cap="flat" cmpd="sng" algn="ctr">
+                      <a:solidFill>
+                        <a:srgbClr val="000000"/>
+                      </a:solidFill>
+                      <a:prstDash val="solid"/>
+                      <a:round/>
+                      <a:headEnd type="none" w="med" len="med"/>
+                      <a:tailEnd type="none" w="med" len="med"/>
+                    </a:lnB>
+                    <a:solidFill>
+                      <a:srgbClr val="FFFFFF"/>
+                    </a:solidFill>
+                  </a:tcPr>
+                </a:tc>
+                <a:tc>
+                  <a:txBody>
+                    <a:bodyPr/>
+                    <a:lstStyle/>
+                    <a:p>
+                      <a:pPr fontAlgn="t"/>
+                      <a:r>
+                        <a:rPr lang="en-GB" sz="1000">
+                          <a:effectLst/>
+                        </a:rPr>
+                        <a:t>do nothing, do not process children</a:t>
+                      </a:r>
+                    </a:p>
+                  </a:txBody>
+                  <a:tcPr marL="7495" marR="7495" marT="7495" marB="7495">
+                    <a:lnL w="9525" cap="flat" cmpd="sng" algn="ctr">
+                      <a:solidFill>
+                        <a:srgbClr val="000000"/>
+                      </a:solidFill>
+                      <a:prstDash val="solid"/>
+                      <a:round/>
+                      <a:headEnd type="none" w="med" len="med"/>
+                      <a:tailEnd type="none" w="med" len="med"/>
+                    </a:lnL>
+                    <a:lnR w="9525" cap="flat" cmpd="sng" algn="ctr">
+                      <a:solidFill>
+                        <a:srgbClr val="000000"/>
+                      </a:solidFill>
+                      <a:prstDash val="solid"/>
+                      <a:round/>
+                      <a:headEnd type="none" w="med" len="med"/>
+                      <a:tailEnd type="none" w="med" len="med"/>
+                    </a:lnR>
+                    <a:lnT w="9525" cap="flat" cmpd="sng" algn="ctr">
+                      <a:solidFill>
+                        <a:srgbClr val="000000"/>
+                      </a:solidFill>
+                      <a:prstDash val="solid"/>
+                      <a:round/>
+                      <a:headEnd type="none" w="med" len="med"/>
+                      <a:tailEnd type="none" w="med" len="med"/>
+                    </a:lnT>
+                    <a:lnB w="9525" cap="flat" cmpd="sng" algn="ctr">
+                      <a:solidFill>
+                        <a:srgbClr val="000000"/>
+                      </a:solidFill>
+                      <a:prstDash val="solid"/>
+                      <a:round/>
+                      <a:headEnd type="none" w="med" len="med"/>
+                      <a:tailEnd type="none" w="med" len="med"/>
+                    </a:lnB>
+                    <a:solidFill>
+                      <a:srgbClr val="FFFFFF"/>
+                    </a:solidFill>
+                  </a:tcPr>
+                </a:tc>
+              </a:tr>
+              <a:tr h="169522">
+                <a:tc>
+                  <a:txBody>
+                    <a:bodyPr/>
+                    <a:lstStyle/>
+                    <a:p>
+                      <a:pPr fontAlgn="t"/>
+                      <a:r>
+                        <a:rPr lang="en-GB" sz="1000">
+                          <a:solidFill>
+                            <a:srgbClr val="008000"/>
+                          </a:solidFill>
+                          <a:effectLst/>
+                        </a:rPr>
+                        <a:t>paragraph</a:t>
+                      </a:r>
+                      <a:r>
+                        <a:rPr lang="en-GB" sz="1000">
+                          <a:effectLst/>
+                        </a:rPr>
+                        <a:t> (content)</a:t>
+                      </a:r>
+                    </a:p>
+                  </a:txBody>
+                  <a:tcPr marL="7495" marR="7495" marT="7495" marB="7495">
+                    <a:lnL w="9525" cap="flat" cmpd="sng" algn="ctr">
+                      <a:solidFill>
+                        <a:srgbClr val="000000"/>
+                      </a:solidFill>
+                      <a:prstDash val="solid"/>
+                      <a:round/>
+                      <a:headEnd type="none" w="med" len="med"/>
+                      <a:tailEnd type="none" w="med" len="med"/>
+                    </a:lnL>
+                    <a:lnR w="9525" cap="flat" cmpd="sng" algn="ctr">
+                      <a:solidFill>
+                        <a:srgbClr val="000000"/>
+                      </a:solidFill>
+                      <a:prstDash val="solid"/>
+                      <a:round/>
+                      <a:headEnd type="none" w="med" len="med"/>
+                      <a:tailEnd type="none" w="med" len="med"/>
+                    </a:lnR>
+                    <a:lnT w="9525" cap="flat" cmpd="sng" algn="ctr">
+                      <a:solidFill>
+                        <a:srgbClr val="000000"/>
+                      </a:solidFill>
+                      <a:prstDash val="solid"/>
+                      <a:round/>
+                      <a:headEnd type="none" w="med" len="med"/>
+                      <a:tailEnd type="none" w="med" len="med"/>
+                    </a:lnT>
+                    <a:lnB w="9525" cap="flat" cmpd="sng" algn="ctr">
+                      <a:solidFill>
+                        <a:srgbClr val="000000"/>
+                      </a:solidFill>
+                      <a:prstDash val="solid"/>
+                      <a:round/>
+                      <a:headEnd type="none" w="med" len="med"/>
+                      <a:tailEnd type="none" w="med" len="med"/>
+                    </a:lnB>
+                    <a:solidFill>
+                      <a:srgbClr val="FFFFFF"/>
+                    </a:solidFill>
+                  </a:tcPr>
+                </a:tc>
+                <a:tc>
+                  <a:txBody>
+                    <a:bodyPr/>
+                    <a:lstStyle/>
+                    <a:p>
+                      <a:pPr fontAlgn="t"/>
+                      <a:r>
+                        <a:rPr lang="en-GB" sz="1000">
+                          <a:effectLst/>
+                        </a:rPr>
+                        <a:t>create a paragraph out of content.</a:t>
+                      </a:r>
+                    </a:p>
+                  </a:txBody>
+                  <a:tcPr marL="7495" marR="7495" marT="7495" marB="7495">
+                    <a:lnL w="9525" cap="flat" cmpd="sng" algn="ctr">
+                      <a:solidFill>
+                        <a:srgbClr val="000000"/>
+                      </a:solidFill>
+                      <a:prstDash val="solid"/>
+                      <a:round/>
+                      <a:headEnd type="none" w="med" len="med"/>
+                      <a:tailEnd type="none" w="med" len="med"/>
+                    </a:lnL>
+                    <a:lnR w="9525" cap="flat" cmpd="sng" algn="ctr">
+                      <a:solidFill>
+                        <a:srgbClr val="000000"/>
+                      </a:solidFill>
+                      <a:prstDash val="solid"/>
+                      <a:round/>
+                      <a:headEnd type="none" w="med" len="med"/>
+                      <a:tailEnd type="none" w="med" len="med"/>
+                    </a:lnR>
+                    <a:lnT w="9525" cap="flat" cmpd="sng" algn="ctr">
+                      <a:solidFill>
+                        <a:srgbClr val="000000"/>
+                      </a:solidFill>
+                      <a:prstDash val="solid"/>
+                      <a:round/>
+                      <a:headEnd type="none" w="med" len="med"/>
+                      <a:tailEnd type="none" w="med" len="med"/>
+                    </a:lnT>
+                    <a:lnB w="9525" cap="flat" cmpd="sng" algn="ctr">
+                      <a:solidFill>
+                        <a:srgbClr val="000000"/>
+                      </a:solidFill>
+                      <a:prstDash val="solid"/>
+                      <a:round/>
+                      <a:headEnd type="none" w="med" len="med"/>
+                      <a:tailEnd type="none" w="med" len="med"/>
+                    </a:lnB>
+                    <a:solidFill>
+                      <a:srgbClr val="FFFFFF"/>
+                    </a:solidFill>
+                  </a:tcPr>
+                </a:tc>
+              </a:tr>
+              <a:tr h="169522">
+                <a:tc>
+                  <a:txBody>
+                    <a:bodyPr/>
+                    <a:lstStyle/>
+                    <a:p>
+                      <a:pPr fontAlgn="t"/>
+                      <a:r>
+                        <a:rPr lang="en-GB" sz="1000">
+                          <a:solidFill>
+                            <a:srgbClr val="008000"/>
+                          </a:solidFill>
+                          <a:effectLst/>
+                        </a:rPr>
+                        <a:t>row</a:t>
+                      </a:r>
+                      <a:r>
+                        <a:rPr lang="en-GB" sz="1000">
+                          <a:effectLst/>
+                        </a:rPr>
+                        <a:t> (content)</a:t>
+                      </a:r>
+                    </a:p>
+                  </a:txBody>
+                  <a:tcPr marL="7495" marR="7495" marT="7495" marB="7495">
+                    <a:lnL w="9525" cap="flat" cmpd="sng" algn="ctr">
+                      <a:solidFill>
+                        <a:srgbClr val="000000"/>
+                      </a:solidFill>
+                      <a:prstDash val="solid"/>
+                      <a:round/>
+                      <a:headEnd type="none" w="med" len="med"/>
+                      <a:tailEnd type="none" w="med" len="med"/>
+                    </a:lnL>
+                    <a:lnR w="9525" cap="flat" cmpd="sng" algn="ctr">
+                      <a:solidFill>
+                        <a:srgbClr val="000000"/>
+                      </a:solidFill>
+                      <a:prstDash val="solid"/>
+                      <a:round/>
+                      <a:headEnd type="none" w="med" len="med"/>
+                      <a:tailEnd type="none" w="med" len="med"/>
+                    </a:lnR>
+                    <a:lnT w="9525" cap="flat" cmpd="sng" algn="ctr">
+                      <a:solidFill>
+                        <a:srgbClr val="000000"/>
+                      </a:solidFill>
+                      <a:prstDash val="solid"/>
+                      <a:round/>
+                      <a:headEnd type="none" w="med" len="med"/>
+                      <a:tailEnd type="none" w="med" len="med"/>
+                    </a:lnT>
+                    <a:lnB w="9525" cap="flat" cmpd="sng" algn="ctr">
+                      <a:solidFill>
+                        <a:srgbClr val="000000"/>
+                      </a:solidFill>
+                      <a:prstDash val="solid"/>
+                      <a:round/>
+                      <a:headEnd type="none" w="med" len="med"/>
+                      <a:tailEnd type="none" w="med" len="med"/>
+                    </a:lnB>
+                    <a:solidFill>
+                      <a:srgbClr val="FFFFFF"/>
+                    </a:solidFill>
+                  </a:tcPr>
+                </a:tc>
+                <a:tc>
+                  <a:txBody>
+                    <a:bodyPr/>
+                    <a:lstStyle/>
+                    <a:p>
+                      <a:pPr fontAlgn="t"/>
+                      <a:r>
+                        <a:rPr lang="en-GB" sz="1000">
+                          <a:effectLst/>
+                        </a:rPr>
+                        <a:t>make table row</a:t>
+                      </a:r>
+                    </a:p>
+                  </a:txBody>
+                  <a:tcPr marL="7495" marR="7495" marT="7495" marB="7495">
+                    <a:lnL w="9525" cap="flat" cmpd="sng" algn="ctr">
+                      <a:solidFill>
+                        <a:srgbClr val="000000"/>
+                      </a:solidFill>
+                      <a:prstDash val="solid"/>
+                      <a:round/>
+                      <a:headEnd type="none" w="med" len="med"/>
+                      <a:tailEnd type="none" w="med" len="med"/>
+                    </a:lnL>
+                    <a:lnR w="9525" cap="flat" cmpd="sng" algn="ctr">
+                      <a:solidFill>
+                        <a:srgbClr val="000000"/>
+                      </a:solidFill>
+                      <a:prstDash val="solid"/>
+                      <a:round/>
+                      <a:headEnd type="none" w="med" len="med"/>
+                      <a:tailEnd type="none" w="med" len="med"/>
+                    </a:lnR>
+                    <a:lnT w="9525" cap="flat" cmpd="sng" algn="ctr">
+                      <a:solidFill>
+                        <a:srgbClr val="000000"/>
+                      </a:solidFill>
+                      <a:prstDash val="solid"/>
+                      <a:round/>
+                      <a:headEnd type="none" w="med" len="med"/>
+                      <a:tailEnd type="none" w="med" len="med"/>
+                    </a:lnT>
+                    <a:lnB w="9525" cap="flat" cmpd="sng" algn="ctr">
+                      <a:solidFill>
+                        <a:srgbClr val="000000"/>
+                      </a:solidFill>
+                      <a:prstDash val="solid"/>
+                      <a:round/>
+                      <a:headEnd type="none" w="med" len="med"/>
+                      <a:tailEnd type="none" w="med" len="med"/>
+                    </a:lnB>
+                    <a:solidFill>
+                      <a:srgbClr val="FFFFFF"/>
+                    </a:solidFill>
+                  </a:tcPr>
+                </a:tc>
+              </a:tr>
+              <a:tr h="203064">
+                <a:tc>
+                  <a:txBody>
+                    <a:bodyPr/>
+                    <a:lstStyle/>
+                    <a:p>
+                      <a:pPr fontAlgn="t"/>
+                      <a:r>
+                        <a:rPr lang="en-GB" sz="1000">
+                          <a:solidFill>
+                            <a:srgbClr val="008000"/>
+                          </a:solidFill>
+                          <a:effectLst/>
+                        </a:rPr>
+                        <a:t>section</a:t>
+                      </a:r>
+                      <a:r>
+                        <a:rPr lang="en-GB" sz="1000">
+                          <a:effectLst/>
+                        </a:rPr>
+                        <a:t> (content)</a:t>
+                      </a:r>
+                    </a:p>
+                  </a:txBody>
+                  <a:tcPr marL="7495" marR="7495" marT="7495" marB="7495">
+                    <a:lnL w="9525" cap="flat" cmpd="sng" algn="ctr">
+                      <a:solidFill>
+                        <a:srgbClr val="000000"/>
+                      </a:solidFill>
+                      <a:prstDash val="solid"/>
+                      <a:round/>
+                      <a:headEnd type="none" w="med" len="med"/>
+                      <a:tailEnd type="none" w="med" len="med"/>
+                    </a:lnL>
+                    <a:lnR w="9525" cap="flat" cmpd="sng" algn="ctr">
+                      <a:solidFill>
+                        <a:srgbClr val="000000"/>
+                      </a:solidFill>
+                      <a:prstDash val="solid"/>
+                      <a:round/>
+                      <a:headEnd type="none" w="med" len="med"/>
+                      <a:tailEnd type="none" w="med" len="med"/>
+                    </a:lnR>
+                    <a:lnT w="9525" cap="flat" cmpd="sng" algn="ctr">
+                      <a:solidFill>
+                        <a:srgbClr val="000000"/>
+                      </a:solidFill>
+                      <a:prstDash val="solid"/>
+                      <a:round/>
+                      <a:headEnd type="none" w="med" len="med"/>
+                      <a:tailEnd type="none" w="med" len="med"/>
+                    </a:lnT>
+                    <a:lnB w="9525" cap="flat" cmpd="sng" algn="ctr">
+                      <a:solidFill>
+                        <a:srgbClr val="000000"/>
+                      </a:solidFill>
+                      <a:prstDash val="solid"/>
+                      <a:round/>
+                      <a:headEnd type="none" w="med" len="med"/>
+                      <a:tailEnd type="none" w="med" len="med"/>
+                    </a:lnB>
+                    <a:solidFill>
+                      <a:srgbClr val="FFFFFF"/>
+                    </a:solidFill>
+                  </a:tcPr>
+                </a:tc>
+                <a:tc>
+                  <a:txBody>
+                    <a:bodyPr/>
+                    <a:lstStyle/>
+                    <a:p>
+                      <a:pPr fontAlgn="t"/>
+                      <a:r>
+                        <a:rPr lang="en-GB" sz="1000">
+                          <a:effectLst/>
+                        </a:rPr>
+                        <a:t>create a new section of the output document</a:t>
+                      </a:r>
+                    </a:p>
+                  </a:txBody>
+                  <a:tcPr marL="7495" marR="7495" marT="7495" marB="7495">
+                    <a:lnL w="9525" cap="flat" cmpd="sng" algn="ctr">
+                      <a:solidFill>
+                        <a:srgbClr val="000000"/>
+                      </a:solidFill>
+                      <a:prstDash val="solid"/>
+                      <a:round/>
+                      <a:headEnd type="none" w="med" len="med"/>
+                      <a:tailEnd type="none" w="med" len="med"/>
+                    </a:lnL>
+                    <a:lnR w="9525" cap="flat" cmpd="sng" algn="ctr">
+                      <a:solidFill>
+                        <a:srgbClr val="000000"/>
+                      </a:solidFill>
+                      <a:prstDash val="solid"/>
+                      <a:round/>
+                      <a:headEnd type="none" w="med" len="med"/>
+                      <a:tailEnd type="none" w="med" len="med"/>
+                    </a:lnR>
+                    <a:lnT w="9525" cap="flat" cmpd="sng" algn="ctr">
+                      <a:solidFill>
+                        <a:srgbClr val="000000"/>
+                      </a:solidFill>
+                      <a:prstDash val="solid"/>
+                      <a:round/>
+                      <a:headEnd type="none" w="med" len="med"/>
+                      <a:tailEnd type="none" w="med" len="med"/>
+                    </a:lnT>
+                    <a:lnB w="9525" cap="flat" cmpd="sng" algn="ctr">
+                      <a:solidFill>
+                        <a:srgbClr val="000000"/>
+                      </a:solidFill>
+                      <a:prstDash val="solid"/>
+                      <a:round/>
+                      <a:headEnd type="none" w="med" len="med"/>
+                      <a:tailEnd type="none" w="med" len="med"/>
+                    </a:lnB>
+                    <a:solidFill>
+                      <a:srgbClr val="FFFFFF"/>
+                    </a:solidFill>
+                  </a:tcPr>
+                </a:tc>
+              </a:tr>
+              <a:tr h="169522">
+                <a:tc>
+                  <a:txBody>
+                    <a:bodyPr/>
+                    <a:lstStyle/>
+                    <a:p>
+                      <a:pPr fontAlgn="t"/>
+                      <a:r>
+                        <a:rPr lang="en-GB" sz="1000">
+                          <a:solidFill>
+                            <a:srgbClr val="008000"/>
+                          </a:solidFill>
+                          <a:effectLst/>
+                        </a:rPr>
+                        <a:t>table</a:t>
+                      </a:r>
+                      <a:r>
+                        <a:rPr lang="en-GB" sz="1000">
+                          <a:effectLst/>
+                        </a:rPr>
+                        <a:t> (content)</a:t>
+                      </a:r>
+                    </a:p>
+                  </a:txBody>
+                  <a:tcPr marL="7495" marR="7495" marT="7495" marB="7495">
+                    <a:lnL w="9525" cap="flat" cmpd="sng" algn="ctr">
+                      <a:solidFill>
+                        <a:srgbClr val="000000"/>
+                      </a:solidFill>
+                      <a:prstDash val="solid"/>
+                      <a:round/>
+                      <a:headEnd type="none" w="med" len="med"/>
+                      <a:tailEnd type="none" w="med" len="med"/>
+                    </a:lnL>
+                    <a:lnR w="9525" cap="flat" cmpd="sng" algn="ctr">
+                      <a:solidFill>
+                        <a:srgbClr val="000000"/>
+                      </a:solidFill>
+                      <a:prstDash val="solid"/>
+                      <a:round/>
+                      <a:headEnd type="none" w="med" len="med"/>
+                      <a:tailEnd type="none" w="med" len="med"/>
+                    </a:lnR>
+                    <a:lnT w="9525" cap="flat" cmpd="sng" algn="ctr">
+                      <a:solidFill>
+                        <a:srgbClr val="000000"/>
+                      </a:solidFill>
+                      <a:prstDash val="solid"/>
+                      <a:round/>
+                      <a:headEnd type="none" w="med" len="med"/>
+                      <a:tailEnd type="none" w="med" len="med"/>
+                    </a:lnT>
+                    <a:lnB w="9525" cap="flat" cmpd="sng" algn="ctr">
+                      <a:solidFill>
+                        <a:srgbClr val="000000"/>
+                      </a:solidFill>
+                      <a:prstDash val="solid"/>
+                      <a:round/>
+                      <a:headEnd type="none" w="med" len="med"/>
+                      <a:tailEnd type="none" w="med" len="med"/>
+                    </a:lnB>
+                    <a:solidFill>
+                      <a:srgbClr val="FFFFFF"/>
+                    </a:solidFill>
+                  </a:tcPr>
+                </a:tc>
+                <a:tc>
+                  <a:txBody>
+                    <a:bodyPr/>
+                    <a:lstStyle/>
+                    <a:p>
+                      <a:pPr fontAlgn="t"/>
+                      <a:r>
+                        <a:rPr lang="en-GB" sz="1000">
+                          <a:effectLst/>
+                        </a:rPr>
+                        <a:t>make table</a:t>
+                      </a:r>
+                    </a:p>
+                  </a:txBody>
+                  <a:tcPr marL="7495" marR="7495" marT="7495" marB="7495">
+                    <a:lnL w="9525" cap="flat" cmpd="sng" algn="ctr">
+                      <a:solidFill>
+                        <a:srgbClr val="000000"/>
+                      </a:solidFill>
+                      <a:prstDash val="solid"/>
+                      <a:round/>
+                      <a:headEnd type="none" w="med" len="med"/>
+                      <a:tailEnd type="none" w="med" len="med"/>
+                    </a:lnL>
+                    <a:lnR w="9525" cap="flat" cmpd="sng" algn="ctr">
+                      <a:solidFill>
+                        <a:srgbClr val="000000"/>
+                      </a:solidFill>
+                      <a:prstDash val="solid"/>
+                      <a:round/>
+                      <a:headEnd type="none" w="med" len="med"/>
+                      <a:tailEnd type="none" w="med" len="med"/>
+                    </a:lnR>
+                    <a:lnT w="9525" cap="flat" cmpd="sng" algn="ctr">
+                      <a:solidFill>
+                        <a:srgbClr val="000000"/>
+                      </a:solidFill>
+                      <a:prstDash val="solid"/>
+                      <a:round/>
+                      <a:headEnd type="none" w="med" len="med"/>
+                      <a:tailEnd type="none" w="med" len="med"/>
+                    </a:lnT>
+                    <a:lnB w="9525" cap="flat" cmpd="sng" algn="ctr">
+                      <a:solidFill>
+                        <a:srgbClr val="000000"/>
+                      </a:solidFill>
+                      <a:prstDash val="solid"/>
+                      <a:round/>
+                      <a:headEnd type="none" w="med" len="med"/>
+                      <a:tailEnd type="none" w="med" len="med"/>
+                    </a:lnB>
+                    <a:solidFill>
+                      <a:srgbClr val="FFFFFF"/>
+                    </a:solidFill>
+                  </a:tcPr>
+                </a:tc>
+              </a:tr>
+              <a:tr h="169522">
+                <a:tc>
+                  <a:txBody>
+                    <a:bodyPr/>
+                    <a:lstStyle/>
+                    <a:p>
+                      <a:pPr fontAlgn="t"/>
+                      <a:r>
+                        <a:rPr lang="en-GB" sz="1000">
+                          <a:solidFill>
+                            <a:srgbClr val="008000"/>
+                          </a:solidFill>
+                          <a:effectLst/>
+                        </a:rPr>
+                        <a:t>text</a:t>
+                      </a:r>
+                      <a:r>
+                        <a:rPr lang="en-GB" sz="1000">
+                          <a:effectLst/>
+                        </a:rPr>
+                        <a:t> (content)</a:t>
+                      </a:r>
+                    </a:p>
+                  </a:txBody>
+                  <a:tcPr marL="7495" marR="7495" marT="7495" marB="7495">
+                    <a:lnL w="9525" cap="flat" cmpd="sng" algn="ctr">
+                      <a:solidFill>
+                        <a:srgbClr val="000000"/>
+                      </a:solidFill>
+                      <a:prstDash val="solid"/>
+                      <a:round/>
+                      <a:headEnd type="none" w="med" len="med"/>
+                      <a:tailEnd type="none" w="med" len="med"/>
+                    </a:lnL>
+                    <a:lnR w="9525" cap="flat" cmpd="sng" algn="ctr">
+                      <a:solidFill>
+                        <a:srgbClr val="000000"/>
+                      </a:solidFill>
+                      <a:prstDash val="solid"/>
+                      <a:round/>
+                      <a:headEnd type="none" w="med" len="med"/>
+                      <a:tailEnd type="none" w="med" len="med"/>
+                    </a:lnR>
+                    <a:lnT w="9525" cap="flat" cmpd="sng" algn="ctr">
+                      <a:solidFill>
+                        <a:srgbClr val="000000"/>
+                      </a:solidFill>
+                      <a:prstDash val="solid"/>
+                      <a:round/>
+                      <a:headEnd type="none" w="med" len="med"/>
+                      <a:tailEnd type="none" w="med" len="med"/>
+                    </a:lnT>
+                    <a:lnB w="9525" cap="flat" cmpd="sng" algn="ctr">
+                      <a:solidFill>
+                        <a:srgbClr val="000000"/>
+                      </a:solidFill>
+                      <a:prstDash val="solid"/>
+                      <a:round/>
+                      <a:headEnd type="none" w="med" len="med"/>
+                      <a:tailEnd type="none" w="med" len="med"/>
+                    </a:lnB>
+                    <a:solidFill>
+                      <a:srgbClr val="FFFFFF"/>
+                    </a:solidFill>
+                  </a:tcPr>
+                </a:tc>
+                <a:tc>
+                  <a:txBody>
+                    <a:bodyPr/>
+                    <a:lstStyle/>
+                    <a:p>
+                      <a:pPr fontAlgn="t"/>
+                      <a:r>
+                        <a:rPr lang="en-GB" sz="1000">
+                          <a:effectLst/>
+                        </a:rPr>
+                        <a:t>literal text</a:t>
+                      </a:r>
+                    </a:p>
+                  </a:txBody>
+                  <a:tcPr marL="7495" marR="7495" marT="7495" marB="7495">
+                    <a:lnL w="9525" cap="flat" cmpd="sng" algn="ctr">
+                      <a:solidFill>
+                        <a:srgbClr val="000000"/>
+                      </a:solidFill>
+                      <a:prstDash val="solid"/>
+                      <a:round/>
+                      <a:headEnd type="none" w="med" len="med"/>
+                      <a:tailEnd type="none" w="med" len="med"/>
+                    </a:lnL>
+                    <a:lnR w="9525" cap="flat" cmpd="sng" algn="ctr">
+                      <a:solidFill>
+                        <a:srgbClr val="000000"/>
+                      </a:solidFill>
+                      <a:prstDash val="solid"/>
+                      <a:round/>
+                      <a:headEnd type="none" w="med" len="med"/>
+                      <a:tailEnd type="none" w="med" len="med"/>
+                    </a:lnR>
+                    <a:lnT w="9525" cap="flat" cmpd="sng" algn="ctr">
+                      <a:solidFill>
+                        <a:srgbClr val="000000"/>
+                      </a:solidFill>
+                      <a:prstDash val="solid"/>
+                      <a:round/>
+                      <a:headEnd type="none" w="med" len="med"/>
+                      <a:tailEnd type="none" w="med" len="med"/>
+                    </a:lnT>
+                    <a:lnB w="9525" cap="flat" cmpd="sng" algn="ctr">
+                      <a:solidFill>
+                        <a:srgbClr val="000000"/>
+                      </a:solidFill>
+                      <a:prstDash val="solid"/>
+                      <a:round/>
+                      <a:headEnd type="none" w="med" len="med"/>
+                      <a:tailEnd type="none" w="med" len="med"/>
+                    </a:lnB>
+                    <a:solidFill>
+                      <a:srgbClr val="FFFFFF"/>
+                    </a:solidFill>
+                  </a:tcPr>
+                </a:tc>
+              </a:tr>
+              <a:tr h="169522">
+                <a:tc>
+                  <a:txBody>
+                    <a:bodyPr/>
+                    <a:lstStyle/>
+                    <a:p>
+                      <a:pPr fontAlgn="t"/>
+                      <a:r>
+                        <a:rPr lang="en-GB" sz="1000" dirty="0">
+                          <a:solidFill>
+                            <a:srgbClr val="008000"/>
+                          </a:solidFill>
+                          <a:effectLst/>
+                        </a:rPr>
+                        <a:t>title</a:t>
+                      </a:r>
+                      <a:r>
+                        <a:rPr lang="en-GB" sz="1000" dirty="0">
+                          <a:effectLst/>
+                        </a:rPr>
+                        <a:t> (content)</a:t>
+                      </a:r>
+                    </a:p>
+                  </a:txBody>
+                  <a:tcPr marL="7495" marR="7495" marT="7495" marB="7495">
+                    <a:lnL w="9525" cap="flat" cmpd="sng" algn="ctr">
+                      <a:solidFill>
+                        <a:srgbClr val="000000"/>
+                      </a:solidFill>
+                      <a:prstDash val="solid"/>
+                      <a:round/>
+                      <a:headEnd type="none" w="med" len="med"/>
+                      <a:tailEnd type="none" w="med" len="med"/>
+                    </a:lnL>
+                    <a:lnR w="9525" cap="flat" cmpd="sng" algn="ctr">
+                      <a:solidFill>
+                        <a:srgbClr val="000000"/>
+                      </a:solidFill>
+                      <a:prstDash val="solid"/>
+                      <a:round/>
+                      <a:headEnd type="none" w="med" len="med"/>
+                      <a:tailEnd type="none" w="med" len="med"/>
+                    </a:lnR>
+                    <a:lnT w="9525" cap="flat" cmpd="sng" algn="ctr">
+                      <a:solidFill>
+                        <a:srgbClr val="000000"/>
+                      </a:solidFill>
+                      <a:prstDash val="solid"/>
+                      <a:round/>
+                      <a:headEnd type="none" w="med" len="med"/>
+                      <a:tailEnd type="none" w="med" len="med"/>
+                    </a:lnT>
+                    <a:lnB w="9525" cap="flat" cmpd="sng" algn="ctr">
+                      <a:solidFill>
+                        <a:srgbClr val="000000"/>
+                      </a:solidFill>
+                      <a:prstDash val="solid"/>
+                      <a:round/>
+                      <a:headEnd type="none" w="med" len="med"/>
+                      <a:tailEnd type="none" w="med" len="med"/>
+                    </a:lnB>
+                    <a:solidFill>
+                      <a:srgbClr val="FFFFFF"/>
+                    </a:solidFill>
+                  </a:tcPr>
+                </a:tc>
+                <a:tc>
+                  <a:txBody>
+                    <a:bodyPr/>
+                    <a:lstStyle/>
+                    <a:p>
+                      <a:pPr fontAlgn="t"/>
+                      <a:r>
+                        <a:rPr lang="en-GB" sz="1000" dirty="0">
+                          <a:effectLst/>
+                        </a:rPr>
+                        <a:t>make document title</a:t>
+                      </a:r>
+                    </a:p>
+                  </a:txBody>
+                  <a:tcPr marL="7495" marR="7495" marT="7495" marB="7495">
+                    <a:lnL w="9525" cap="flat" cmpd="sng" algn="ctr">
+                      <a:solidFill>
+                        <a:srgbClr val="000000"/>
+                      </a:solidFill>
+                      <a:prstDash val="solid"/>
+                      <a:round/>
+                      <a:headEnd type="none" w="med" len="med"/>
+                      <a:tailEnd type="none" w="med" len="med"/>
+                    </a:lnL>
+                    <a:lnR w="9525" cap="flat" cmpd="sng" algn="ctr">
+                      <a:solidFill>
+                        <a:srgbClr val="000000"/>
+                      </a:solidFill>
+                      <a:prstDash val="solid"/>
+                      <a:round/>
+                      <a:headEnd type="none" w="med" len="med"/>
+                      <a:tailEnd type="none" w="med" len="med"/>
+                    </a:lnR>
+                    <a:lnT w="9525" cap="flat" cmpd="sng" algn="ctr">
+                      <a:solidFill>
+                        <a:srgbClr val="000000"/>
+                      </a:solidFill>
+                      <a:prstDash val="solid"/>
+                      <a:round/>
+                      <a:headEnd type="none" w="med" len="med"/>
+                      <a:tailEnd type="none" w="med" len="med"/>
+                    </a:lnT>
+                    <a:lnB w="9525" cap="flat" cmpd="sng" algn="ctr">
+                      <a:solidFill>
+                        <a:srgbClr val="000000"/>
+                      </a:solidFill>
+                      <a:prstDash val="solid"/>
+                      <a:round/>
+                      <a:headEnd type="none" w="med" len="med"/>
+                      <a:tailEnd type="none" w="med" len="med"/>
+                    </a:lnB>
+                    <a:solidFill>
+                      <a:srgbClr val="FFFFFF"/>
+                    </a:solidFill>
+                  </a:tcPr>
+                </a:tc>
+              </a:tr>
+            </a:tbl>
+          </a:graphicData>
+        </a:graphic>
+      </p:graphicFrame>
     </p:spTree>
     <p:extLst>
       <p:ext uri="{BB962C8B-B14F-4D97-AF65-F5344CB8AC3E}">
@@ -6347,7 +9639,7 @@
         <p:spPr/>
         <p:txBody>
           <a:bodyPr>
-            <a:normAutofit lnSpcReduction="10000"/>
+            <a:normAutofit fontScale="92500" lnSpcReduction="10000"/>
           </a:bodyPr>
           <a:lstStyle/>
           <a:p>
@@ -6440,12 +9732,12 @@
               <a:t> specifies which one from </a:t>
             </a:r>
             <a:r>
-              <a:rPr lang="en-GB" i="1" dirty="0" err="1" smtClean="0"/>
-              <a:t>teiSimple</a:t>
-            </a:r>
-            <a:r>
               <a:rPr lang="en-GB" i="1" dirty="0" smtClean="0"/>
-              <a:t> function library</a:t>
+              <a:t>TEI Simple </a:t>
+            </a:r>
+            <a:r>
+              <a:rPr lang="en-GB" i="1" dirty="0" smtClean="0"/>
+              <a:t>function library</a:t>
             </a:r>
             <a:r>
               <a:rPr lang="en-GB" dirty="0" smtClean="0"/>
@@ -6498,6 +9790,25 @@
               <a:rPr lang="en-GB" dirty="0" smtClean="0"/>
               <a:t>elements</a:t>
             </a:r>
+          </a:p>
+          <a:p>
+            <a:r>
+              <a:rPr lang="en-GB" i="1" dirty="0" smtClean="0"/>
+              <a:t>&lt;</a:t>
+            </a:r>
+            <a:r>
+              <a:rPr lang="en-GB" i="1" dirty="0" err="1" smtClean="0"/>
+              <a:t>desc</a:t>
+            </a:r>
+            <a:r>
+              <a:rPr lang="en-GB" i="1" dirty="0" smtClean="0"/>
+              <a:t>&gt;</a:t>
+            </a:r>
+            <a:r>
+              <a:rPr lang="en-GB" dirty="0" smtClean="0"/>
+              <a:t> allows for initial textual description of required processing</a:t>
+            </a:r>
+            <a:endParaRPr lang="en-GB" dirty="0" smtClean="0"/>
           </a:p>
           <a:p>
             <a:pPr marL="0" indent="0">
@@ -6560,12 +9871,8 @@
           <a:lstStyle/>
           <a:p>
             <a:r>
-              <a:rPr lang="en-GB" sz="2400" i="1" dirty="0" err="1" smtClean="0"/>
-              <a:t>teiSimple</a:t>
-            </a:r>
-            <a:r>
               <a:rPr lang="en-GB" sz="2400" i="1" dirty="0" smtClean="0"/>
-              <a:t> </a:t>
+              <a:t>TEI Simple </a:t>
             </a:r>
             <a:r>
               <a:rPr lang="en-GB" dirty="0" smtClean="0"/>
@@ -6597,7 +9904,7 @@
         </p:blipFill>
         <p:spPr>
           <a:xfrm>
-            <a:off x="2833728" y="476672"/>
+            <a:off x="2833728" y="548680"/>
             <a:ext cx="6202768" cy="6064386"/>
           </a:xfrm>
           <a:prstGeom prst="rect">
@@ -6658,8 +9965,16 @@
           <a:lstStyle/>
           <a:p>
             <a:r>
+              <a:rPr lang="en-GB" dirty="0"/>
+              <a:t>e</a:t>
+            </a:r>
+            <a:r>
               <a:rPr lang="en-GB" dirty="0" smtClean="0"/>
-              <a:t>Editor’s necessary skills</a:t>
+              <a:t>ditor’s </a:t>
+            </a:r>
+            <a:r>
+              <a:rPr lang="en-GB" dirty="0" smtClean="0"/>
+              <a:t>necessary skills</a:t>
             </a:r>
             <a:endParaRPr lang="en-GB" dirty="0"/>
           </a:p>
@@ -6823,8 +10138,8 @@
           <a:lstStyle/>
           <a:p>
             <a:r>
-              <a:rPr lang="en-GB" dirty="0" err="1" smtClean="0"/>
-              <a:t>teiSimple</a:t>
+              <a:rPr lang="en-GB" dirty="0" smtClean="0"/>
+              <a:t>TEI Simple</a:t>
             </a:r>
             <a:endParaRPr lang="en-GB" dirty="0"/>
           </a:p>
@@ -6974,12 +10289,12 @@
           </a:p>
           <a:p>
             <a:r>
-              <a:rPr lang="en-GB" sz="2000" dirty="0" err="1" smtClean="0"/>
-              <a:t>teiSimple</a:t>
-            </a:r>
-            <a:r>
               <a:rPr lang="en-GB" sz="2000" dirty="0" smtClean="0"/>
-              <a:t> processing model can be applied to other vocabularies</a:t>
+              <a:t>TEI Simple </a:t>
+            </a:r>
+            <a:r>
+              <a:rPr lang="en-GB" sz="2000" dirty="0" smtClean="0"/>
+              <a:t>processing model can be applied to other vocabularies</a:t>
             </a:r>
           </a:p>
           <a:p>
@@ -7010,8 +10325,8 @@
               <a:t>TEI vs </a:t>
             </a:r>
             <a:r>
-              <a:rPr lang="en-GB" dirty="0" err="1" smtClean="0"/>
-              <a:t>teiSimple</a:t>
+              <a:rPr lang="en-GB" dirty="0" smtClean="0"/>
+              <a:t>TEI Simple</a:t>
             </a:r>
             <a:endParaRPr lang="en-GB" dirty="0"/>
           </a:p>
@@ -7064,33 +10379,103 @@
             <p:ph type="title"/>
           </p:nvPr>
         </p:nvSpPr>
-        <p:spPr/>
+        <p:spPr>
+          <a:xfrm>
+            <a:off x="3011845" y="5638800"/>
+            <a:ext cx="5867400" cy="1219200"/>
+          </a:xfrm>
+        </p:spPr>
         <p:txBody>
           <a:bodyPr/>
           <a:lstStyle/>
           <a:p>
             <a:pPr algn="ctr"/>
             <a:r>
-              <a:rPr lang="en-GB" b="0" dirty="0" err="1" smtClean="0"/>
-              <a:t>teiSimple</a:t>
-            </a:r>
-            <a:r>
               <a:rPr lang="en-GB" b="0" dirty="0" smtClean="0"/>
-              <a:t> processing model</a:t>
+              <a:t>TEI Simple </a:t>
+            </a:r>
+            <a:r>
+              <a:rPr lang="en-GB" b="0" dirty="0" smtClean="0"/>
+              <a:t>processing model</a:t>
             </a:r>
             <a:endParaRPr lang="en-GB" b="0" dirty="0"/>
+          </a:p>
+        </p:txBody>
+      </p:sp>
+      <p:sp>
+        <p:nvSpPr>
+          <p:cNvPr id="4" name="Text Placeholder 3"/>
+          <p:cNvSpPr>
+            <a:spLocks noGrp="1"/>
+          </p:cNvSpPr>
+          <p:nvPr>
+            <p:ph type="body" sz="half" idx="2"/>
+          </p:nvPr>
+        </p:nvSpPr>
+        <p:spPr>
+          <a:xfrm>
+            <a:off x="251520" y="990600"/>
+            <a:ext cx="2664296" cy="5257800"/>
+          </a:xfrm>
+        </p:spPr>
+        <p:txBody>
+          <a:bodyPr/>
+          <a:lstStyle/>
+          <a:p>
+            <a:r>
+              <a:rPr lang="en-GB" sz="2400" dirty="0" smtClean="0"/>
+              <a:t>TEI Simple </a:t>
+            </a:r>
+            <a:r>
+              <a:rPr lang="en-GB" sz="2800" dirty="0" smtClean="0"/>
+              <a:t>ODD</a:t>
+            </a:r>
+          </a:p>
+          <a:p>
+            <a:pPr algn="ctr"/>
+            <a:r>
+              <a:rPr lang="en-GB" b="1" dirty="0" smtClean="0"/>
+              <a:t>=</a:t>
+            </a:r>
+            <a:endParaRPr lang="en-GB" b="1" dirty="0"/>
+          </a:p>
+          <a:p>
+            <a:r>
+              <a:rPr lang="en-GB" sz="4000" dirty="0" smtClean="0"/>
+              <a:t>a </a:t>
+            </a:r>
+            <a:r>
+              <a:rPr lang="en-GB" sz="4000" dirty="0" smtClean="0"/>
+              <a:t>schema</a:t>
+            </a:r>
+          </a:p>
+          <a:p>
+            <a:pPr algn="ctr"/>
+            <a:r>
+              <a:rPr lang="en-GB" sz="2000" b="1" dirty="0" smtClean="0"/>
+              <a:t>+</a:t>
+            </a:r>
+          </a:p>
+          <a:p>
+            <a:r>
+              <a:rPr lang="en-GB" sz="3600" dirty="0" smtClean="0"/>
+              <a:t>processing instructions </a:t>
+            </a:r>
+            <a:r>
+              <a:rPr lang="en-GB" dirty="0" smtClean="0"/>
+              <a:t>for all elements</a:t>
+            </a:r>
+            <a:endParaRPr lang="en-GB" dirty="0"/>
           </a:p>
         </p:txBody>
       </p:sp>
       <p:pic>
         <p:nvPicPr>
-          <p:cNvPr id="5" name="Picture Placeholder 4"/>
+          <p:cNvPr id="8" name="Picture 7"/>
           <p:cNvPicPr>
-            <a:picLocks noGrp="1" noChangeAspect="1"/>
+            <a:picLocks noChangeAspect="1"/>
           </p:cNvPicPr>
-          <p:nvPr>
-            <p:ph type="pic" idx="1"/>
-          </p:nvPr>
+          <p:nvPr/>
         </p:nvPicPr>
         <p:blipFill>
           <a:blip r:embed="rId2">
@@ -7100,79 +10485,20 @@
               </a:ext>
             </a:extLst>
           </a:blip>
-          <a:srcRect t="557" b="557"/>
           <a:stretch>
             <a:fillRect/>
           </a:stretch>
         </p:blipFill>
-        <p:spPr/>
+        <p:spPr>
+          <a:xfrm>
+            <a:off x="3002239" y="908720"/>
+            <a:ext cx="5910073" cy="3816424"/>
+          </a:xfrm>
+          <a:prstGeom prst="rect">
+            <a:avLst/>
+          </a:prstGeom>
+        </p:spPr>
       </p:pic>
-      <p:sp>
-        <p:nvSpPr>
-          <p:cNvPr id="4" name="Text Placeholder 3"/>
-          <p:cNvSpPr>
-            <a:spLocks noGrp="1"/>
-          </p:cNvSpPr>
-          <p:nvPr>
-            <p:ph type="body" sz="half" idx="2"/>
-          </p:nvPr>
-        </p:nvSpPr>
-        <p:spPr>
-          <a:xfrm>
-            <a:off x="251520" y="990600"/>
-            <a:ext cx="2664296" cy="5257800"/>
-          </a:xfrm>
-        </p:spPr>
-        <p:txBody>
-          <a:bodyPr/>
-          <a:lstStyle/>
-          <a:p>
-            <a:r>
-              <a:rPr lang="en-GB" dirty="0" err="1" smtClean="0"/>
-              <a:t>teiSimple</a:t>
-            </a:r>
-            <a:r>
-              <a:rPr lang="en-GB" dirty="0" smtClean="0"/>
-              <a:t> </a:t>
-            </a:r>
-            <a:r>
-              <a:rPr lang="en-GB" sz="1800" dirty="0" smtClean="0"/>
-              <a:t>ODD </a:t>
-            </a:r>
-            <a:r>
-              <a:rPr lang="en-GB" dirty="0" smtClean="0"/>
-              <a:t>contains</a:t>
-            </a:r>
-          </a:p>
-          <a:p>
-            <a:r>
-              <a:rPr lang="en-GB" sz="4000" dirty="0"/>
-              <a:t>a</a:t>
-            </a:r>
-            <a:r>
-              <a:rPr lang="en-GB" sz="4000" dirty="0" smtClean="0"/>
-              <a:t> schema</a:t>
-            </a:r>
-          </a:p>
-          <a:p>
-            <a:r>
-              <a:rPr lang="en-GB" sz="2000" b="1" dirty="0" smtClean="0"/>
-              <a:t>+</a:t>
-            </a:r>
-          </a:p>
-          <a:p>
-            <a:r>
-              <a:rPr lang="en-GB" sz="3600" dirty="0" smtClean="0"/>
-              <a:t>processing instructions </a:t>
-            </a:r>
-            <a:r>
-              <a:rPr lang="en-GB" dirty="0" smtClean="0"/>
-              <a:t>for all elements</a:t>
-            </a:r>
-            <a:endParaRPr lang="en-GB" dirty="0"/>
-          </a:p>
-        </p:txBody>
-      </p:sp>
     </p:spTree>
     <p:extLst>
       <p:ext uri="{BB962C8B-B14F-4D97-AF65-F5344CB8AC3E}">
@@ -8802,8 +12128,16 @@
           <a:lstStyle/>
           <a:p>
             <a:r>
+              <a:rPr lang="en-GB" dirty="0"/>
+              <a:t>e</a:t>
+            </a:r>
+            <a:r>
               <a:rPr lang="en-GB" dirty="0" smtClean="0"/>
-              <a:t>Editor’s tasks</a:t>
+              <a:t>ditor’s tasks </a:t>
+            </a:r>
+            <a:r>
+              <a:rPr lang="en-GB" sz="2000" dirty="0" smtClean="0"/>
+              <a:t>(apart from editing)</a:t>
             </a:r>
             <a:endParaRPr lang="en-GB" dirty="0"/>
           </a:p>
@@ -8838,7 +12172,15 @@
           <a:p>
             <a:r>
               <a:rPr lang="en-GB" dirty="0" smtClean="0"/>
-              <a:t>if treatment differs depending on context, identify all possible variations via XPath expressions (</a:t>
+              <a:t>if treatment differs depending on context, identify all possible </a:t>
+            </a:r>
+            <a:r>
+              <a:rPr lang="en-GB" dirty="0" smtClean="0"/>
+              <a:t>situations </a:t>
+            </a:r>
+            <a:r>
+              <a:rPr lang="en-GB" dirty="0" smtClean="0"/>
+              <a:t>via XPath expressions (</a:t>
             </a:r>
             <a:r>
               <a:rPr lang="en-GB" sz="2000" dirty="0" err="1" smtClean="0"/>
@@ -8867,12 +12209,20 @@
               <a:t>. use </a:t>
             </a:r>
             <a:r>
+              <a:rPr lang="en-GB" sz="2000" dirty="0" smtClean="0"/>
+              <a:t>only </a:t>
+            </a:r>
+            <a:r>
               <a:rPr lang="en-GB" sz="2000" dirty="0" err="1" smtClean="0"/>
               <a:t>lem</a:t>
             </a:r>
             <a:r>
               <a:rPr lang="en-GB" sz="2000" dirty="0" smtClean="0"/>
-              <a:t> child as visible by default in app entries</a:t>
+              <a:t> </a:t>
+            </a:r>
+            <a:r>
+              <a:rPr lang="en-GB" sz="2000" dirty="0" smtClean="0"/>
+              <a:t>child as visible by default in app entries</a:t>
             </a:r>
             <a:r>
               <a:rPr lang="en-GB" dirty="0" smtClean="0"/>
@@ -8886,7 +12236,15 @@
             </a:r>
             <a:r>
               <a:rPr lang="en-GB" dirty="0" smtClean="0"/>
-              <a:t>f treatment differs depending on output type create additional models with @output as necessary</a:t>
+              <a:t>f treatment differs depending on output type create additional models with </a:t>
+            </a:r>
+            <a:r>
+              <a:rPr lang="en-GB" i="1" dirty="0" smtClean="0"/>
+              <a:t>@output </a:t>
+            </a:r>
+            <a:r>
+              <a:rPr lang="en-GB" dirty="0" smtClean="0"/>
+              <a:t>as necessary</a:t>
             </a:r>
           </a:p>
           <a:p>
@@ -8969,13 +12327,26 @@
               <a:t>ODD extensions for </a:t>
             </a:r>
             <a:r>
-              <a:rPr lang="en-GB" sz="1800" cap="none" dirty="0" err="1" smtClean="0"/>
-              <a:t>teiSimple</a:t>
-            </a:r>
-            <a:r>
               <a:rPr lang="en-GB" sz="1800" cap="none" dirty="0" smtClean="0"/>
-              <a:t> processing model</a:t>
-            </a:r>
+              <a:t>TEI Simple </a:t>
+            </a:r>
+            <a:r>
+              <a:rPr lang="en-GB" sz="1800" cap="none" dirty="0"/>
+              <a:t>P</a:t>
+            </a:r>
+            <a:r>
+              <a:rPr lang="en-GB" sz="1800" cap="none" dirty="0" smtClean="0"/>
+              <a:t>rocessing </a:t>
+            </a:r>
+            <a:r>
+              <a:rPr lang="en-GB" sz="1800" cap="none" dirty="0" smtClean="0"/>
+              <a:t>M</a:t>
+            </a:r>
+            <a:r>
+              <a:rPr lang="en-GB" sz="1800" cap="none" dirty="0" smtClean="0"/>
+              <a:t>odel (PM)</a:t>
+            </a:r>
+            <a:endParaRPr lang="en-GB" sz="1800" cap="none" dirty="0" smtClean="0"/>
           </a:p>
           <a:p>
             <a:endParaRPr lang="en-GB" cap="none" dirty="0" smtClean="0"/>
